--- a/2023StackOverflow-final.pptx
+++ b/2023StackOverflow-final.pptx
@@ -172,7 +172,7 @@
           <p:cNvPr id="2" name="Header Placeholder 1">
             <a:extLst>
               <a:ext uri="{FF2B5EF4-FFF2-40B4-BE49-F238E27FC236}">
-                <a16:creationId xmlns="" xmlns:a16="http://schemas.microsoft.com/office/drawing/2014/main" id="{0589D207-BE08-4B33-B5B0-5A5A94C95126}"/>
+                <a16:creationId xmlns:a16="http://schemas.microsoft.com/office/drawing/2014/main" xmlns="" id="{0589D207-BE08-4B33-B5B0-5A5A94C95126}"/>
               </a:ext>
             </a:extLst>
           </p:cNvPr>
@@ -209,7 +209,7 @@
           <p:cNvPr id="3" name="Date Placeholder 2">
             <a:extLst>
               <a:ext uri="{FF2B5EF4-FFF2-40B4-BE49-F238E27FC236}">
-                <a16:creationId xmlns="" xmlns:a16="http://schemas.microsoft.com/office/drawing/2014/main" id="{C5E58DB9-49DC-495B-A68F-33D105C9065A}"/>
+                <a16:creationId xmlns:a16="http://schemas.microsoft.com/office/drawing/2014/main" xmlns="" id="{C5E58DB9-49DC-495B-A68F-33D105C9065A}"/>
               </a:ext>
             </a:extLst>
           </p:cNvPr>
@@ -250,7 +250,7 @@
           <p:cNvPr id="4" name="Footer Placeholder 3">
             <a:extLst>
               <a:ext uri="{FF2B5EF4-FFF2-40B4-BE49-F238E27FC236}">
-                <a16:creationId xmlns="" xmlns:a16="http://schemas.microsoft.com/office/drawing/2014/main" id="{7F66337E-DAD5-442C-9B8F-E10EB7D972CB}"/>
+                <a16:creationId xmlns:a16="http://schemas.microsoft.com/office/drawing/2014/main" xmlns="" id="{7F66337E-DAD5-442C-9B8F-E10EB7D972CB}"/>
               </a:ext>
             </a:extLst>
           </p:cNvPr>
@@ -287,7 +287,7 @@
           <p:cNvPr id="5" name="Slide Number Placeholder 4">
             <a:extLst>
               <a:ext uri="{FF2B5EF4-FFF2-40B4-BE49-F238E27FC236}">
-                <a16:creationId xmlns="" xmlns:a16="http://schemas.microsoft.com/office/drawing/2014/main" id="{7EE3BDF2-02BD-4181-AC28-FD56172CC622}"/>
+                <a16:creationId xmlns:a16="http://schemas.microsoft.com/office/drawing/2014/main" xmlns="" id="{7EE3BDF2-02BD-4181-AC28-FD56172CC622}"/>
               </a:ext>
             </a:extLst>
           </p:cNvPr>
@@ -2251,7 +2251,7 @@
           <p:cNvPr id="4" name="Rectangle 3">
             <a:extLst>
               <a:ext uri="{FF2B5EF4-FFF2-40B4-BE49-F238E27FC236}">
-                <a16:creationId xmlns="" xmlns:a16="http://schemas.microsoft.com/office/drawing/2014/main" id="{1ED69555-EE48-4B19-812B-4E1068DBF976}"/>
+                <a16:creationId xmlns:a16="http://schemas.microsoft.com/office/drawing/2014/main" xmlns="" id="{1ED69555-EE48-4B19-812B-4E1068DBF976}"/>
               </a:ext>
             </a:extLst>
           </p:cNvPr>
@@ -2305,7 +2305,7 @@
           <p:cNvPr id="68" name="Freeform 57">
             <a:extLst>
               <a:ext uri="{FF2B5EF4-FFF2-40B4-BE49-F238E27FC236}">
-                <a16:creationId xmlns="" xmlns:a16="http://schemas.microsoft.com/office/drawing/2014/main" id="{57AEB73D-F521-4B19-820F-12DB6BCC8406}"/>
+                <a16:creationId xmlns:a16="http://schemas.microsoft.com/office/drawing/2014/main" xmlns="" id="{57AEB73D-F521-4B19-820F-12DB6BCC8406}"/>
               </a:ext>
             </a:extLst>
           </p:cNvPr>
@@ -2481,7 +2481,7 @@
           <p:cNvPr id="7" name="Rectangle 6">
             <a:extLst>
               <a:ext uri="{FF2B5EF4-FFF2-40B4-BE49-F238E27FC236}">
-                <a16:creationId xmlns="" xmlns:a16="http://schemas.microsoft.com/office/drawing/2014/main" id="{6B72EEBA-3A5D-41CE-8465-A45A0F65674E}"/>
+                <a16:creationId xmlns:a16="http://schemas.microsoft.com/office/drawing/2014/main" xmlns="" id="{6B72EEBA-3A5D-41CE-8465-A45A0F65674E}"/>
               </a:ext>
             </a:extLst>
           </p:cNvPr>
@@ -2533,7 +2533,7 @@
           <p:cNvPr id="13" name="Date Placeholder 12">
             <a:extLst>
               <a:ext uri="{FF2B5EF4-FFF2-40B4-BE49-F238E27FC236}">
-                <a16:creationId xmlns="" xmlns:a16="http://schemas.microsoft.com/office/drawing/2014/main" id="{79F4CF2F-CDFA-4A37-837C-819D5238EAB4}"/>
+                <a16:creationId xmlns:a16="http://schemas.microsoft.com/office/drawing/2014/main" xmlns="" id="{79F4CF2F-CDFA-4A37-837C-819D5238EAB4}"/>
               </a:ext>
             </a:extLst>
           </p:cNvPr>
@@ -2563,7 +2563,7 @@
           <p:cNvPr id="15" name="Footer Placeholder 14">
             <a:extLst>
               <a:ext uri="{FF2B5EF4-FFF2-40B4-BE49-F238E27FC236}">
-                <a16:creationId xmlns="" xmlns:a16="http://schemas.microsoft.com/office/drawing/2014/main" id="{CFECE62A-61A4-407D-8F0B-D459CD977C75}"/>
+                <a16:creationId xmlns:a16="http://schemas.microsoft.com/office/drawing/2014/main" xmlns="" id="{CFECE62A-61A4-407D-8F0B-D459CD977C75}"/>
               </a:ext>
             </a:extLst>
           </p:cNvPr>
@@ -2601,7 +2601,7 @@
           <p:cNvPr id="27" name="Slide Number Placeholder 26">
             <a:extLst>
               <a:ext uri="{FF2B5EF4-FFF2-40B4-BE49-F238E27FC236}">
-                <a16:creationId xmlns="" xmlns:a16="http://schemas.microsoft.com/office/drawing/2014/main" id="{99FE60A9-FE2A-451F-9244-60FCE7FE9AD7}"/>
+                <a16:creationId xmlns:a16="http://schemas.microsoft.com/office/drawing/2014/main" xmlns="" id="{99FE60A9-FE2A-451F-9244-60FCE7FE9AD7}"/>
               </a:ext>
             </a:extLst>
           </p:cNvPr>
@@ -3013,7 +3013,7 @@
           <p:cNvPr id="7" name="Straight Connector 6" title="Rule Line">
             <a:extLst>
               <a:ext uri="{FF2B5EF4-FFF2-40B4-BE49-F238E27FC236}">
-                <a16:creationId xmlns="" xmlns:a16="http://schemas.microsoft.com/office/drawing/2014/main" id="{A1005B08-D2D4-455C-AA62-1200E43E7AF9}"/>
+                <a16:creationId xmlns:a16="http://schemas.microsoft.com/office/drawing/2014/main" xmlns="" id="{A1005B08-D2D4-455C-AA62-1200E43E7AF9}"/>
               </a:ext>
             </a:extLst>
           </p:cNvPr>
@@ -3087,10 +3087,10 @@
           <p:cNvPr id="7" name="Rectangle 6">
             <a:extLst>
               <a:ext uri="{FF2B5EF4-FFF2-40B4-BE49-F238E27FC236}">
-                <a16:creationId xmlns="" xmlns:a16="http://schemas.microsoft.com/office/drawing/2014/main" id="{BF5F5DFA-1BC3-4062-9356-6145C9F7CD56}"/>
+                <a16:creationId xmlns:a16="http://schemas.microsoft.com/office/drawing/2014/main" xmlns="" id="{BF5F5DFA-1BC3-4062-9356-6145C9F7CD56}"/>
               </a:ext>
               <a:ext uri="{C183D7F6-B498-43B3-948B-1728B52AA6E4}">
-                <adec:decorative xmlns="" xmlns:adec="http://schemas.microsoft.com/office/drawing/2017/decorative" val="1"/>
+                <adec:decorative xmlns:adec="http://schemas.microsoft.com/office/drawing/2017/decorative" xmlns="" val="1"/>
               </a:ext>
             </a:extLst>
           </p:cNvPr>
@@ -3139,10 +3139,10 @@
           <p:cNvPr id="8" name="Rectangle 7">
             <a:extLst>
               <a:ext uri="{FF2B5EF4-FFF2-40B4-BE49-F238E27FC236}">
-                <a16:creationId xmlns="" xmlns:a16="http://schemas.microsoft.com/office/drawing/2014/main" id="{E6B5D461-AEC0-477F-A77A-6227F95A8374}"/>
+                <a16:creationId xmlns:a16="http://schemas.microsoft.com/office/drawing/2014/main" xmlns="" id="{E6B5D461-AEC0-477F-A77A-6227F95A8374}"/>
               </a:ext>
               <a:ext uri="{C183D7F6-B498-43B3-948B-1728B52AA6E4}">
-                <adec:decorative xmlns="" xmlns:adec="http://schemas.microsoft.com/office/drawing/2017/decorative" val="1"/>
+                <adec:decorative xmlns:adec="http://schemas.microsoft.com/office/drawing/2017/decorative" xmlns="" val="1"/>
               </a:ext>
             </a:extLst>
           </p:cNvPr>
@@ -3194,10 +3194,10 @@
           <p:cNvPr id="10" name="Rectangle 9">
             <a:extLst>
               <a:ext uri="{FF2B5EF4-FFF2-40B4-BE49-F238E27FC236}">
-                <a16:creationId xmlns="" xmlns:a16="http://schemas.microsoft.com/office/drawing/2014/main" id="{DE1A041D-DE47-45FA-AC78-CC7FD02571F2}"/>
+                <a16:creationId xmlns:a16="http://schemas.microsoft.com/office/drawing/2014/main" xmlns="" id="{DE1A041D-DE47-45FA-AC78-CC7FD02571F2}"/>
               </a:ext>
               <a:ext uri="{C183D7F6-B498-43B3-948B-1728B52AA6E4}">
-                <adec:decorative xmlns="" xmlns:adec="http://schemas.microsoft.com/office/drawing/2017/decorative" val="1"/>
+                <adec:decorative xmlns:adec="http://schemas.microsoft.com/office/drawing/2017/decorative" xmlns="" val="1"/>
               </a:ext>
             </a:extLst>
           </p:cNvPr>
@@ -3249,10 +3249,10 @@
           <p:cNvPr id="11" name="Rectangle 10">
             <a:extLst>
               <a:ext uri="{FF2B5EF4-FFF2-40B4-BE49-F238E27FC236}">
-                <a16:creationId xmlns="" xmlns:a16="http://schemas.microsoft.com/office/drawing/2014/main" id="{11614254-52EF-4F58-99B1-CDA7C39223C1}"/>
+                <a16:creationId xmlns:a16="http://schemas.microsoft.com/office/drawing/2014/main" xmlns="" id="{11614254-52EF-4F58-99B1-CDA7C39223C1}"/>
               </a:ext>
               <a:ext uri="{C183D7F6-B498-43B3-948B-1728B52AA6E4}">
-                <adec:decorative xmlns="" xmlns:adec="http://schemas.microsoft.com/office/drawing/2017/decorative" val="1"/>
+                <adec:decorative xmlns:adec="http://schemas.microsoft.com/office/drawing/2017/decorative" xmlns="" val="1"/>
               </a:ext>
             </a:extLst>
           </p:cNvPr>
@@ -3306,7 +3306,7 @@
           <p:cNvPr id="12" name="Title 1">
             <a:extLst>
               <a:ext uri="{FF2B5EF4-FFF2-40B4-BE49-F238E27FC236}">
-                <a16:creationId xmlns="" xmlns:a16="http://schemas.microsoft.com/office/drawing/2014/main" id="{BD3B3ABA-0408-41EA-935D-D4F4586AA840}"/>
+                <a16:creationId xmlns:a16="http://schemas.microsoft.com/office/drawing/2014/main" xmlns="" id="{BD3B3ABA-0408-41EA-935D-D4F4586AA840}"/>
               </a:ext>
             </a:extLst>
           </p:cNvPr>
@@ -3348,7 +3348,7 @@
           <p:cNvPr id="3" name="Content Placeholder 2">
             <a:extLst>
               <a:ext uri="{FF2B5EF4-FFF2-40B4-BE49-F238E27FC236}">
-                <a16:creationId xmlns="" xmlns:a16="http://schemas.microsoft.com/office/drawing/2014/main" id="{C40EA5BF-04A6-2B17-0703-8419C4DB97FF}"/>
+                <a16:creationId xmlns:a16="http://schemas.microsoft.com/office/drawing/2014/main" xmlns="" id="{C40EA5BF-04A6-2B17-0703-8419C4DB97FF}"/>
               </a:ext>
             </a:extLst>
           </p:cNvPr>
@@ -3457,10 +3457,10 @@
           <p:cNvPr id="14" name="Rectangle 13">
             <a:extLst>
               <a:ext uri="{FF2B5EF4-FFF2-40B4-BE49-F238E27FC236}">
-                <a16:creationId xmlns="" xmlns:a16="http://schemas.microsoft.com/office/drawing/2014/main" id="{1837301C-2B9B-4119-9002-BD6DB2AB87FB}"/>
+                <a16:creationId xmlns:a16="http://schemas.microsoft.com/office/drawing/2014/main" xmlns="" id="{1837301C-2B9B-4119-9002-BD6DB2AB87FB}"/>
               </a:ext>
               <a:ext uri="{C183D7F6-B498-43B3-948B-1728B52AA6E4}">
-                <adec:decorative xmlns="" xmlns:adec="http://schemas.microsoft.com/office/drawing/2017/decorative" val="1"/>
+                <adec:decorative xmlns:adec="http://schemas.microsoft.com/office/drawing/2017/decorative" xmlns="" val="1"/>
               </a:ext>
             </a:extLst>
           </p:cNvPr>
@@ -3512,10 +3512,10 @@
           <p:cNvPr id="15" name="Rectangle 14">
             <a:extLst>
               <a:ext uri="{FF2B5EF4-FFF2-40B4-BE49-F238E27FC236}">
-                <a16:creationId xmlns="" xmlns:a16="http://schemas.microsoft.com/office/drawing/2014/main" id="{BD12738D-D0ED-4899-A01C-42439B5B3E64}"/>
+                <a16:creationId xmlns:a16="http://schemas.microsoft.com/office/drawing/2014/main" xmlns="" id="{BD12738D-D0ED-4899-A01C-42439B5B3E64}"/>
               </a:ext>
               <a:ext uri="{C183D7F6-B498-43B3-948B-1728B52AA6E4}">
-                <adec:decorative xmlns="" xmlns:adec="http://schemas.microsoft.com/office/drawing/2017/decorative" val="1"/>
+                <adec:decorative xmlns:adec="http://schemas.microsoft.com/office/drawing/2017/decorative" xmlns="" val="1"/>
               </a:ext>
             </a:extLst>
           </p:cNvPr>
@@ -3569,10 +3569,10 @@
           <p:cNvPr id="16" name="Rectangle 15">
             <a:extLst>
               <a:ext uri="{FF2B5EF4-FFF2-40B4-BE49-F238E27FC236}">
-                <a16:creationId xmlns="" xmlns:a16="http://schemas.microsoft.com/office/drawing/2014/main" id="{5EED261D-45B9-40C1-8341-8B8B796E8AE2}"/>
+                <a16:creationId xmlns:a16="http://schemas.microsoft.com/office/drawing/2014/main" xmlns="" id="{5EED261D-45B9-40C1-8341-8B8B796E8AE2}"/>
               </a:ext>
               <a:ext uri="{C183D7F6-B498-43B3-948B-1728B52AA6E4}">
-                <adec:decorative xmlns="" xmlns:adec="http://schemas.microsoft.com/office/drawing/2017/decorative" val="1"/>
+                <adec:decorative xmlns:adec="http://schemas.microsoft.com/office/drawing/2017/decorative" xmlns="" val="1"/>
               </a:ext>
             </a:extLst>
           </p:cNvPr>
@@ -3624,7 +3624,7 @@
           <p:cNvPr id="17" name="Footer Placeholder 7">
             <a:extLst>
               <a:ext uri="{FF2B5EF4-FFF2-40B4-BE49-F238E27FC236}">
-                <a16:creationId xmlns="" xmlns:a16="http://schemas.microsoft.com/office/drawing/2014/main" id="{182CF530-D736-4104-8678-850EEDF997E6}"/>
+                <a16:creationId xmlns:a16="http://schemas.microsoft.com/office/drawing/2014/main" xmlns="" id="{182CF530-D736-4104-8678-850EEDF997E6}"/>
               </a:ext>
             </a:extLst>
           </p:cNvPr>
@@ -3666,7 +3666,7 @@
           <p:cNvPr id="19" name="Date Placeholder 5">
             <a:extLst>
               <a:ext uri="{FF2B5EF4-FFF2-40B4-BE49-F238E27FC236}">
-                <a16:creationId xmlns="" xmlns:a16="http://schemas.microsoft.com/office/drawing/2014/main" id="{8DEDB7CE-711E-4E43-9450-4C7BECE2FCFC}"/>
+                <a16:creationId xmlns:a16="http://schemas.microsoft.com/office/drawing/2014/main" xmlns="" id="{8DEDB7CE-711E-4E43-9450-4C7BECE2FCFC}"/>
               </a:ext>
             </a:extLst>
           </p:cNvPr>
@@ -3696,7 +3696,7 @@
           <p:cNvPr id="20" name="Slide Number Placeholder 9">
             <a:extLst>
               <a:ext uri="{FF2B5EF4-FFF2-40B4-BE49-F238E27FC236}">
-                <a16:creationId xmlns="" xmlns:a16="http://schemas.microsoft.com/office/drawing/2014/main" id="{F5D9588C-9E6B-42F6-8B42-D18388626ACB}"/>
+                <a16:creationId xmlns:a16="http://schemas.microsoft.com/office/drawing/2014/main" xmlns="" id="{F5D9588C-9E6B-42F6-8B42-D18388626ACB}"/>
               </a:ext>
             </a:extLst>
           </p:cNvPr>
@@ -3735,10 +3735,10 @@
           <p:cNvPr id="18" name="Rectangle 17">
             <a:extLst>
               <a:ext uri="{FF2B5EF4-FFF2-40B4-BE49-F238E27FC236}">
-                <a16:creationId xmlns="" xmlns:a16="http://schemas.microsoft.com/office/drawing/2014/main" id="{3E23953F-BF80-48E0-8282-62907D6C29C6}"/>
+                <a16:creationId xmlns:a16="http://schemas.microsoft.com/office/drawing/2014/main" xmlns="" id="{3E23953F-BF80-48E0-8282-62907D6C29C6}"/>
               </a:ext>
               <a:ext uri="{C183D7F6-B498-43B3-948B-1728B52AA6E4}">
-                <adec:decorative xmlns="" xmlns:adec="http://schemas.microsoft.com/office/drawing/2017/decorative" val="1"/>
+                <adec:decorative xmlns:adec="http://schemas.microsoft.com/office/drawing/2017/decorative" xmlns="" val="1"/>
               </a:ext>
             </a:extLst>
           </p:cNvPr>
@@ -3790,10 +3790,10 @@
           <p:cNvPr id="2" name="Rectangle 1">
             <a:extLst>
               <a:ext uri="{FF2B5EF4-FFF2-40B4-BE49-F238E27FC236}">
-                <a16:creationId xmlns="" xmlns:a16="http://schemas.microsoft.com/office/drawing/2014/main" id="{BD79D74E-6357-D3E7-30C0-09B4B82BA321}"/>
+                <a16:creationId xmlns:a16="http://schemas.microsoft.com/office/drawing/2014/main" xmlns="" id="{BD79D74E-6357-D3E7-30C0-09B4B82BA321}"/>
               </a:ext>
               <a:ext uri="{C183D7F6-B498-43B3-948B-1728B52AA6E4}">
-                <adec:decorative xmlns="" xmlns:adec="http://schemas.microsoft.com/office/drawing/2017/decorative" val="1"/>
+                <adec:decorative xmlns:adec="http://schemas.microsoft.com/office/drawing/2017/decorative" xmlns="" val="1"/>
               </a:ext>
             </a:extLst>
           </p:cNvPr>
@@ -3875,10 +3875,10 @@
           <p:cNvPr id="52" name="Rectangle 51">
             <a:extLst>
               <a:ext uri="{FF2B5EF4-FFF2-40B4-BE49-F238E27FC236}">
-                <a16:creationId xmlns="" xmlns:a16="http://schemas.microsoft.com/office/drawing/2014/main" id="{EA8D8870-8337-4ABD-9EA6-3D5AAB7E42D9}"/>
+                <a16:creationId xmlns:a16="http://schemas.microsoft.com/office/drawing/2014/main" xmlns="" id="{EA8D8870-8337-4ABD-9EA6-3D5AAB7E42D9}"/>
               </a:ext>
               <a:ext uri="{C183D7F6-B498-43B3-948B-1728B52AA6E4}">
-                <adec:decorative xmlns="" xmlns:adec="http://schemas.microsoft.com/office/drawing/2017/decorative" val="1"/>
+                <adec:decorative xmlns:adec="http://schemas.microsoft.com/office/drawing/2017/decorative" xmlns="" val="1"/>
               </a:ext>
             </a:extLst>
           </p:cNvPr>
@@ -3927,10 +3927,10 @@
           <p:cNvPr id="53" name="Rectangle 52">
             <a:extLst>
               <a:ext uri="{FF2B5EF4-FFF2-40B4-BE49-F238E27FC236}">
-                <a16:creationId xmlns="" xmlns:a16="http://schemas.microsoft.com/office/drawing/2014/main" id="{BAC3B2DB-2CCA-4BD4-8D63-98257049E273}"/>
+                <a16:creationId xmlns:a16="http://schemas.microsoft.com/office/drawing/2014/main" xmlns="" id="{BAC3B2DB-2CCA-4BD4-8D63-98257049E273}"/>
               </a:ext>
               <a:ext uri="{C183D7F6-B498-43B3-948B-1728B52AA6E4}">
-                <adec:decorative xmlns="" xmlns:adec="http://schemas.microsoft.com/office/drawing/2017/decorative" val="1"/>
+                <adec:decorative xmlns:adec="http://schemas.microsoft.com/office/drawing/2017/decorative" xmlns="" val="1"/>
               </a:ext>
             </a:extLst>
           </p:cNvPr>
@@ -3982,7 +3982,7 @@
           <p:cNvPr id="54" name="Title 1">
             <a:extLst>
               <a:ext uri="{FF2B5EF4-FFF2-40B4-BE49-F238E27FC236}">
-                <a16:creationId xmlns="" xmlns:a16="http://schemas.microsoft.com/office/drawing/2014/main" id="{324DAAC3-FA37-4838-A298-327679F99F8A}"/>
+                <a16:creationId xmlns:a16="http://schemas.microsoft.com/office/drawing/2014/main" xmlns="" id="{324DAAC3-FA37-4838-A298-327679F99F8A}"/>
               </a:ext>
             </a:extLst>
           </p:cNvPr>
@@ -4032,10 +4032,10 @@
           <p:cNvPr id="56" name="Rectangle 55">
             <a:extLst>
               <a:ext uri="{FF2B5EF4-FFF2-40B4-BE49-F238E27FC236}">
-                <a16:creationId xmlns="" xmlns:a16="http://schemas.microsoft.com/office/drawing/2014/main" id="{FB792E4C-AD3B-4E88-8540-E75759746368}"/>
+                <a16:creationId xmlns:a16="http://schemas.microsoft.com/office/drawing/2014/main" xmlns="" id="{FB792E4C-AD3B-4E88-8540-E75759746368}"/>
               </a:ext>
               <a:ext uri="{C183D7F6-B498-43B3-948B-1728B52AA6E4}">
-                <adec:decorative xmlns="" xmlns:adec="http://schemas.microsoft.com/office/drawing/2017/decorative" val="1"/>
+                <adec:decorative xmlns:adec="http://schemas.microsoft.com/office/drawing/2017/decorative" xmlns="" val="1"/>
               </a:ext>
             </a:extLst>
           </p:cNvPr>
@@ -4087,10 +4087,10 @@
           <p:cNvPr id="57" name="Rectangle 56">
             <a:extLst>
               <a:ext uri="{FF2B5EF4-FFF2-40B4-BE49-F238E27FC236}">
-                <a16:creationId xmlns="" xmlns:a16="http://schemas.microsoft.com/office/drawing/2014/main" id="{6A32632F-9ED1-4328-BBE3-B4E014156A29}"/>
+                <a16:creationId xmlns:a16="http://schemas.microsoft.com/office/drawing/2014/main" xmlns="" id="{6A32632F-9ED1-4328-BBE3-B4E014156A29}"/>
               </a:ext>
               <a:ext uri="{C183D7F6-B498-43B3-948B-1728B52AA6E4}">
-                <adec:decorative xmlns="" xmlns:adec="http://schemas.microsoft.com/office/drawing/2017/decorative" val="1"/>
+                <adec:decorative xmlns:adec="http://schemas.microsoft.com/office/drawing/2017/decorative" xmlns="" val="1"/>
               </a:ext>
             </a:extLst>
           </p:cNvPr>
@@ -4142,7 +4142,7 @@
           <p:cNvPr id="65" name="Picture Placeholder 64">
             <a:extLst>
               <a:ext uri="{FF2B5EF4-FFF2-40B4-BE49-F238E27FC236}">
-                <a16:creationId xmlns="" xmlns:a16="http://schemas.microsoft.com/office/drawing/2014/main" id="{D60E3C33-714C-4528-93A6-4470C3E89AE4}"/>
+                <a16:creationId xmlns:a16="http://schemas.microsoft.com/office/drawing/2014/main" xmlns="" id="{D60E3C33-714C-4528-93A6-4470C3E89AE4}"/>
               </a:ext>
             </a:extLst>
           </p:cNvPr>
@@ -4229,10 +4229,10 @@
           <p:cNvPr id="59" name="Rectangle 58">
             <a:extLst>
               <a:ext uri="{FF2B5EF4-FFF2-40B4-BE49-F238E27FC236}">
-                <a16:creationId xmlns="" xmlns:a16="http://schemas.microsoft.com/office/drawing/2014/main" id="{EA124D3C-01E3-4B96-BDF0-54851D1739D0}"/>
+                <a16:creationId xmlns:a16="http://schemas.microsoft.com/office/drawing/2014/main" xmlns="" id="{EA124D3C-01E3-4B96-BDF0-54851D1739D0}"/>
               </a:ext>
               <a:ext uri="{C183D7F6-B498-43B3-948B-1728B52AA6E4}">
-                <adec:decorative xmlns="" xmlns:adec="http://schemas.microsoft.com/office/drawing/2017/decorative" val="1"/>
+                <adec:decorative xmlns:adec="http://schemas.microsoft.com/office/drawing/2017/decorative" xmlns="" val="1"/>
               </a:ext>
             </a:extLst>
           </p:cNvPr>
@@ -4325,10 +4325,10 @@
           <p:cNvPr id="22" name="Rectangle 21">
             <a:extLst>
               <a:ext uri="{FF2B5EF4-FFF2-40B4-BE49-F238E27FC236}">
-                <a16:creationId xmlns="" xmlns:a16="http://schemas.microsoft.com/office/drawing/2014/main" id="{5C341663-7159-49AD-AAF3-4B3C490D8123}"/>
+                <a16:creationId xmlns:a16="http://schemas.microsoft.com/office/drawing/2014/main" xmlns="" id="{5C341663-7159-49AD-AAF3-4B3C490D8123}"/>
               </a:ext>
               <a:ext uri="{C183D7F6-B498-43B3-948B-1728B52AA6E4}">
-                <adec:decorative xmlns="" xmlns:adec="http://schemas.microsoft.com/office/drawing/2017/decorative" val="1"/>
+                <adec:decorative xmlns:adec="http://schemas.microsoft.com/office/drawing/2017/decorative" xmlns="" val="1"/>
               </a:ext>
             </a:extLst>
           </p:cNvPr>
@@ -4377,10 +4377,10 @@
           <p:cNvPr id="27" name="Rectangle 26">
             <a:extLst>
               <a:ext uri="{FF2B5EF4-FFF2-40B4-BE49-F238E27FC236}">
-                <a16:creationId xmlns="" xmlns:a16="http://schemas.microsoft.com/office/drawing/2014/main" id="{20F2EB12-394C-40E4-9186-CBD6635B5DA9}"/>
+                <a16:creationId xmlns:a16="http://schemas.microsoft.com/office/drawing/2014/main" xmlns="" id="{20F2EB12-394C-40E4-9186-CBD6635B5DA9}"/>
               </a:ext>
               <a:ext uri="{C183D7F6-B498-43B3-948B-1728B52AA6E4}">
-                <adec:decorative xmlns="" xmlns:adec="http://schemas.microsoft.com/office/drawing/2017/decorative" val="1"/>
+                <adec:decorative xmlns:adec="http://schemas.microsoft.com/office/drawing/2017/decorative" xmlns="" val="1"/>
               </a:ext>
             </a:extLst>
           </p:cNvPr>
@@ -4434,7 +4434,7 @@
           <p:cNvPr id="28" name="Title 1">
             <a:extLst>
               <a:ext uri="{FF2B5EF4-FFF2-40B4-BE49-F238E27FC236}">
-                <a16:creationId xmlns="" xmlns:a16="http://schemas.microsoft.com/office/drawing/2014/main" id="{53F9468C-8821-4670-9C7C-78E7D75861AD}"/>
+                <a16:creationId xmlns:a16="http://schemas.microsoft.com/office/drawing/2014/main" xmlns="" id="{53F9468C-8821-4670-9C7C-78E7D75861AD}"/>
               </a:ext>
             </a:extLst>
           </p:cNvPr>
@@ -4476,7 +4476,7 @@
           <p:cNvPr id="4" name="Content Placeholder 3">
             <a:extLst>
               <a:ext uri="{FF2B5EF4-FFF2-40B4-BE49-F238E27FC236}">
-                <a16:creationId xmlns="" xmlns:a16="http://schemas.microsoft.com/office/drawing/2014/main" id="{FFD78806-0532-B92A-4326-73941B4232E7}"/>
+                <a16:creationId xmlns:a16="http://schemas.microsoft.com/office/drawing/2014/main" xmlns="" id="{FFD78806-0532-B92A-4326-73941B4232E7}"/>
               </a:ext>
             </a:extLst>
           </p:cNvPr>
@@ -4542,10 +4542,10 @@
           <p:cNvPr id="24" name="Rectangle 23">
             <a:extLst>
               <a:ext uri="{FF2B5EF4-FFF2-40B4-BE49-F238E27FC236}">
-                <a16:creationId xmlns="" xmlns:a16="http://schemas.microsoft.com/office/drawing/2014/main" id="{D83D2425-8E71-4C9D-8737-018CE44525D0}"/>
+                <a16:creationId xmlns:a16="http://schemas.microsoft.com/office/drawing/2014/main" xmlns="" id="{D83D2425-8E71-4C9D-8737-018CE44525D0}"/>
               </a:ext>
               <a:ext uri="{C183D7F6-B498-43B3-948B-1728B52AA6E4}">
-                <adec:decorative xmlns="" xmlns:adec="http://schemas.microsoft.com/office/drawing/2017/decorative" val="1"/>
+                <adec:decorative xmlns:adec="http://schemas.microsoft.com/office/drawing/2017/decorative" xmlns="" val="1"/>
               </a:ext>
             </a:extLst>
           </p:cNvPr>
@@ -4597,7 +4597,7 @@
           <p:cNvPr id="2" name="Content Placeholder 2">
             <a:extLst>
               <a:ext uri="{FF2B5EF4-FFF2-40B4-BE49-F238E27FC236}">
-                <a16:creationId xmlns="" xmlns:a16="http://schemas.microsoft.com/office/drawing/2014/main" id="{DEB24183-BE19-B810-4EF4-D9959CAD150B}"/>
+                <a16:creationId xmlns:a16="http://schemas.microsoft.com/office/drawing/2014/main" xmlns="" id="{DEB24183-BE19-B810-4EF4-D9959CAD150B}"/>
               </a:ext>
             </a:extLst>
           </p:cNvPr>
@@ -4708,7 +4708,7 @@
           <p:cNvPr id="8" name="Footer Placeholder 4">
             <a:extLst>
               <a:ext uri="{FF2B5EF4-FFF2-40B4-BE49-F238E27FC236}">
-                <a16:creationId xmlns="" xmlns:a16="http://schemas.microsoft.com/office/drawing/2014/main" id="{CD15B6AB-EFBA-3087-EC3D-8DA945B70C0F}"/>
+                <a16:creationId xmlns:a16="http://schemas.microsoft.com/office/drawing/2014/main" xmlns="" id="{CD15B6AB-EFBA-3087-EC3D-8DA945B70C0F}"/>
               </a:ext>
             </a:extLst>
           </p:cNvPr>
@@ -4749,7 +4749,7 @@
           <p:cNvPr id="10" name="Date Placeholder 3">
             <a:extLst>
               <a:ext uri="{FF2B5EF4-FFF2-40B4-BE49-F238E27FC236}">
-                <a16:creationId xmlns="" xmlns:a16="http://schemas.microsoft.com/office/drawing/2014/main" id="{6A3371A6-1409-7906-744F-59D906DF6755}"/>
+                <a16:creationId xmlns:a16="http://schemas.microsoft.com/office/drawing/2014/main" xmlns="" id="{6A3371A6-1409-7906-744F-59D906DF6755}"/>
               </a:ext>
             </a:extLst>
           </p:cNvPr>
@@ -4785,7 +4785,7 @@
           <p:cNvPr id="11" name="Slide Number Placeholder 5">
             <a:extLst>
               <a:ext uri="{FF2B5EF4-FFF2-40B4-BE49-F238E27FC236}">
-                <a16:creationId xmlns="" xmlns:a16="http://schemas.microsoft.com/office/drawing/2014/main" id="{8546652F-6212-09E9-1A75-28F7C8EEF073}"/>
+                <a16:creationId xmlns:a16="http://schemas.microsoft.com/office/drawing/2014/main" xmlns="" id="{8546652F-6212-09E9-1A75-28F7C8EEF073}"/>
               </a:ext>
             </a:extLst>
           </p:cNvPr>
@@ -4854,10 +4854,10 @@
           <p:cNvPr id="2" name="Rectangle 1">
             <a:extLst>
               <a:ext uri="{FF2B5EF4-FFF2-40B4-BE49-F238E27FC236}">
-                <a16:creationId xmlns="" xmlns:a16="http://schemas.microsoft.com/office/drawing/2014/main" id="{30FB3D5A-25E2-453F-A78E-0A20BDCE80A2}"/>
+                <a16:creationId xmlns:a16="http://schemas.microsoft.com/office/drawing/2014/main" xmlns="" id="{30FB3D5A-25E2-453F-A78E-0A20BDCE80A2}"/>
               </a:ext>
               <a:ext uri="{C183D7F6-B498-43B3-948B-1728B52AA6E4}">
-                <adec:decorative xmlns="" xmlns:adec="http://schemas.microsoft.com/office/drawing/2017/decorative" val="1"/>
+                <adec:decorative xmlns:adec="http://schemas.microsoft.com/office/drawing/2017/decorative" xmlns="" val="1"/>
               </a:ext>
             </a:extLst>
           </p:cNvPr>
@@ -4906,10 +4906,10 @@
           <p:cNvPr id="3" name="Rectangle 2">
             <a:extLst>
               <a:ext uri="{FF2B5EF4-FFF2-40B4-BE49-F238E27FC236}">
-                <a16:creationId xmlns="" xmlns:a16="http://schemas.microsoft.com/office/drawing/2014/main" id="{28796342-0E80-4F8E-9563-9F5EDFC0DDF2}"/>
+                <a16:creationId xmlns:a16="http://schemas.microsoft.com/office/drawing/2014/main" xmlns="" id="{28796342-0E80-4F8E-9563-9F5EDFC0DDF2}"/>
               </a:ext>
               <a:ext uri="{C183D7F6-B498-43B3-948B-1728B52AA6E4}">
-                <adec:decorative xmlns="" xmlns:adec="http://schemas.microsoft.com/office/drawing/2017/decorative" val="1"/>
+                <adec:decorative xmlns:adec="http://schemas.microsoft.com/office/drawing/2017/decorative" xmlns="" val="1"/>
               </a:ext>
             </a:extLst>
           </p:cNvPr>
@@ -4963,10 +4963,10 @@
           <p:cNvPr id="4" name="Rectangle 3">
             <a:extLst>
               <a:ext uri="{FF2B5EF4-FFF2-40B4-BE49-F238E27FC236}">
-                <a16:creationId xmlns="" xmlns:a16="http://schemas.microsoft.com/office/drawing/2014/main" id="{C39B2F5D-C3BA-453E-8F4D-97074F48C7AE}"/>
+                <a16:creationId xmlns:a16="http://schemas.microsoft.com/office/drawing/2014/main" xmlns="" id="{C39B2F5D-C3BA-453E-8F4D-97074F48C7AE}"/>
               </a:ext>
               <a:ext uri="{C183D7F6-B498-43B3-948B-1728B52AA6E4}">
-                <adec:decorative xmlns="" xmlns:adec="http://schemas.microsoft.com/office/drawing/2017/decorative" val="1"/>
+                <adec:decorative xmlns:adec="http://schemas.microsoft.com/office/drawing/2017/decorative" xmlns="" val="1"/>
               </a:ext>
             </a:extLst>
           </p:cNvPr>
@@ -5018,7 +5018,7 @@
           <p:cNvPr id="5" name="Title 1">
             <a:extLst>
               <a:ext uri="{FF2B5EF4-FFF2-40B4-BE49-F238E27FC236}">
-                <a16:creationId xmlns="" xmlns:a16="http://schemas.microsoft.com/office/drawing/2014/main" id="{452D50E3-A27A-4AF6-928B-286E7BDB4BD9}"/>
+                <a16:creationId xmlns:a16="http://schemas.microsoft.com/office/drawing/2014/main" xmlns="" id="{452D50E3-A27A-4AF6-928B-286E7BDB4BD9}"/>
               </a:ext>
             </a:extLst>
           </p:cNvPr>
@@ -5068,7 +5068,7 @@
           <p:cNvPr id="15" name="Content Placeholder 2">
             <a:extLst>
               <a:ext uri="{FF2B5EF4-FFF2-40B4-BE49-F238E27FC236}">
-                <a16:creationId xmlns="" xmlns:a16="http://schemas.microsoft.com/office/drawing/2014/main" id="{5778233C-CCEC-FC64-A709-616569B37D23}"/>
+                <a16:creationId xmlns:a16="http://schemas.microsoft.com/office/drawing/2014/main" xmlns="" id="{5778233C-CCEC-FC64-A709-616569B37D23}"/>
               </a:ext>
             </a:extLst>
           </p:cNvPr>
@@ -5179,7 +5179,7 @@
           <p:cNvPr id="17" name="Content Placeholder 2">
             <a:extLst>
               <a:ext uri="{FF2B5EF4-FFF2-40B4-BE49-F238E27FC236}">
-                <a16:creationId xmlns="" xmlns:a16="http://schemas.microsoft.com/office/drawing/2014/main" id="{67FEFA15-354D-6389-9102-922A664A73AE}"/>
+                <a16:creationId xmlns:a16="http://schemas.microsoft.com/office/drawing/2014/main" xmlns="" id="{67FEFA15-354D-6389-9102-922A664A73AE}"/>
               </a:ext>
             </a:extLst>
           </p:cNvPr>
@@ -5290,10 +5290,10 @@
           <p:cNvPr id="6" name="Rectangle 5">
             <a:extLst>
               <a:ext uri="{FF2B5EF4-FFF2-40B4-BE49-F238E27FC236}">
-                <a16:creationId xmlns="" xmlns:a16="http://schemas.microsoft.com/office/drawing/2014/main" id="{D874FDF0-F4BE-433D-86EE-9E1832D4388B}"/>
+                <a16:creationId xmlns:a16="http://schemas.microsoft.com/office/drawing/2014/main" xmlns="" id="{D874FDF0-F4BE-433D-86EE-9E1832D4388B}"/>
               </a:ext>
               <a:ext uri="{C183D7F6-B498-43B3-948B-1728B52AA6E4}">
-                <adec:decorative xmlns="" xmlns:adec="http://schemas.microsoft.com/office/drawing/2017/decorative" val="1"/>
+                <adec:decorative xmlns:adec="http://schemas.microsoft.com/office/drawing/2017/decorative" xmlns="" val="1"/>
               </a:ext>
             </a:extLst>
           </p:cNvPr>
@@ -5345,10 +5345,10 @@
           <p:cNvPr id="7" name="Rectangle 6">
             <a:extLst>
               <a:ext uri="{FF2B5EF4-FFF2-40B4-BE49-F238E27FC236}">
-                <a16:creationId xmlns="" xmlns:a16="http://schemas.microsoft.com/office/drawing/2014/main" id="{25DFCD07-1301-45ED-B326-449ECFADE70D}"/>
+                <a16:creationId xmlns:a16="http://schemas.microsoft.com/office/drawing/2014/main" xmlns="" id="{25DFCD07-1301-45ED-B326-449ECFADE70D}"/>
               </a:ext>
               <a:ext uri="{C183D7F6-B498-43B3-948B-1728B52AA6E4}">
-                <adec:decorative xmlns="" xmlns:adec="http://schemas.microsoft.com/office/drawing/2017/decorative" val="1"/>
+                <adec:decorative xmlns:adec="http://schemas.microsoft.com/office/drawing/2017/decorative" xmlns="" val="1"/>
               </a:ext>
             </a:extLst>
           </p:cNvPr>
@@ -5400,7 +5400,7 @@
           <p:cNvPr id="8" name="Footer Placeholder 4">
             <a:extLst>
               <a:ext uri="{FF2B5EF4-FFF2-40B4-BE49-F238E27FC236}">
-                <a16:creationId xmlns="" xmlns:a16="http://schemas.microsoft.com/office/drawing/2014/main" id="{BD5DA270-E83F-4CC8-9DA6-27CA3AEC0745}"/>
+                <a16:creationId xmlns:a16="http://schemas.microsoft.com/office/drawing/2014/main" xmlns="" id="{BD5DA270-E83F-4CC8-9DA6-27CA3AEC0745}"/>
               </a:ext>
             </a:extLst>
           </p:cNvPr>
@@ -5434,7 +5434,7 @@
           <p:cNvPr id="9" name="Date Placeholder 3">
             <a:extLst>
               <a:ext uri="{FF2B5EF4-FFF2-40B4-BE49-F238E27FC236}">
-                <a16:creationId xmlns="" xmlns:a16="http://schemas.microsoft.com/office/drawing/2014/main" id="{57804587-2E59-4D83-B86E-83ADAE4FDC13}"/>
+                <a16:creationId xmlns:a16="http://schemas.microsoft.com/office/drawing/2014/main" xmlns="" id="{57804587-2E59-4D83-B86E-83ADAE4FDC13}"/>
               </a:ext>
             </a:extLst>
           </p:cNvPr>
@@ -5468,7 +5468,7 @@
           <p:cNvPr id="10" name="Slide Number Placeholder 5">
             <a:extLst>
               <a:ext uri="{FF2B5EF4-FFF2-40B4-BE49-F238E27FC236}">
-                <a16:creationId xmlns="" xmlns:a16="http://schemas.microsoft.com/office/drawing/2014/main" id="{5339F117-3072-4F0C-8D1D-E5DC918CE4F0}"/>
+                <a16:creationId xmlns:a16="http://schemas.microsoft.com/office/drawing/2014/main" xmlns="" id="{5339F117-3072-4F0C-8D1D-E5DC918CE4F0}"/>
               </a:ext>
             </a:extLst>
           </p:cNvPr>
@@ -5537,10 +5537,10 @@
           <p:cNvPr id="6" name="Rectangle 5">
             <a:extLst>
               <a:ext uri="{FF2B5EF4-FFF2-40B4-BE49-F238E27FC236}">
-                <a16:creationId xmlns="" xmlns:a16="http://schemas.microsoft.com/office/drawing/2014/main" id="{2DF88512-9E62-4695-B350-39488566A1F7}"/>
+                <a16:creationId xmlns:a16="http://schemas.microsoft.com/office/drawing/2014/main" xmlns="" id="{2DF88512-9E62-4695-B350-39488566A1F7}"/>
               </a:ext>
               <a:ext uri="{C183D7F6-B498-43B3-948B-1728B52AA6E4}">
-                <adec:decorative xmlns="" xmlns:adec="http://schemas.microsoft.com/office/drawing/2017/decorative" val="1"/>
+                <adec:decorative xmlns:adec="http://schemas.microsoft.com/office/drawing/2017/decorative" xmlns="" val="1"/>
               </a:ext>
             </a:extLst>
           </p:cNvPr>
@@ -5589,10 +5589,10 @@
           <p:cNvPr id="7" name="Rectangle 6">
             <a:extLst>
               <a:ext uri="{FF2B5EF4-FFF2-40B4-BE49-F238E27FC236}">
-                <a16:creationId xmlns="" xmlns:a16="http://schemas.microsoft.com/office/drawing/2014/main" id="{18CD596D-95F4-4C5C-A0E7-86D747FE70BE}"/>
+                <a16:creationId xmlns:a16="http://schemas.microsoft.com/office/drawing/2014/main" xmlns="" id="{18CD596D-95F4-4C5C-A0E7-86D747FE70BE}"/>
               </a:ext>
               <a:ext uri="{C183D7F6-B498-43B3-948B-1728B52AA6E4}">
-                <adec:decorative xmlns="" xmlns:adec="http://schemas.microsoft.com/office/drawing/2017/decorative" val="1"/>
+                <adec:decorative xmlns:adec="http://schemas.microsoft.com/office/drawing/2017/decorative" xmlns="" val="1"/>
               </a:ext>
             </a:extLst>
           </p:cNvPr>
@@ -5646,10 +5646,10 @@
           <p:cNvPr id="8" name="Rectangle 7">
             <a:extLst>
               <a:ext uri="{FF2B5EF4-FFF2-40B4-BE49-F238E27FC236}">
-                <a16:creationId xmlns="" xmlns:a16="http://schemas.microsoft.com/office/drawing/2014/main" id="{67553E9F-DCBF-4BEE-A261-5AA97361A0E0}"/>
+                <a16:creationId xmlns:a16="http://schemas.microsoft.com/office/drawing/2014/main" xmlns="" id="{67553E9F-DCBF-4BEE-A261-5AA97361A0E0}"/>
               </a:ext>
               <a:ext uri="{C183D7F6-B498-43B3-948B-1728B52AA6E4}">
-                <adec:decorative xmlns="" xmlns:adec="http://schemas.microsoft.com/office/drawing/2017/decorative" val="1"/>
+                <adec:decorative xmlns:adec="http://schemas.microsoft.com/office/drawing/2017/decorative" xmlns="" val="1"/>
               </a:ext>
             </a:extLst>
           </p:cNvPr>
@@ -5701,7 +5701,7 @@
           <p:cNvPr id="9" name="Title 1">
             <a:extLst>
               <a:ext uri="{FF2B5EF4-FFF2-40B4-BE49-F238E27FC236}">
-                <a16:creationId xmlns="" xmlns:a16="http://schemas.microsoft.com/office/drawing/2014/main" id="{949B0EB0-AEBA-44ED-BC77-4188C7486144}"/>
+                <a16:creationId xmlns:a16="http://schemas.microsoft.com/office/drawing/2014/main" xmlns="" id="{949B0EB0-AEBA-44ED-BC77-4188C7486144}"/>
               </a:ext>
             </a:extLst>
           </p:cNvPr>
@@ -5751,7 +5751,7 @@
           <p:cNvPr id="2" name="Content Placeholder 2">
             <a:extLst>
               <a:ext uri="{FF2B5EF4-FFF2-40B4-BE49-F238E27FC236}">
-                <a16:creationId xmlns="" xmlns:a16="http://schemas.microsoft.com/office/drawing/2014/main" id="{252AD8E1-37CB-EB1E-9394-A293E1F2107F}"/>
+                <a16:creationId xmlns:a16="http://schemas.microsoft.com/office/drawing/2014/main" xmlns="" id="{252AD8E1-37CB-EB1E-9394-A293E1F2107F}"/>
               </a:ext>
             </a:extLst>
           </p:cNvPr>
@@ -5862,7 +5862,7 @@
           <p:cNvPr id="16" name="Content Placeholder 2">
             <a:extLst>
               <a:ext uri="{FF2B5EF4-FFF2-40B4-BE49-F238E27FC236}">
-                <a16:creationId xmlns="" xmlns:a16="http://schemas.microsoft.com/office/drawing/2014/main" id="{5B37B294-6F01-986D-E8E5-119AE9A8F2BE}"/>
+                <a16:creationId xmlns:a16="http://schemas.microsoft.com/office/drawing/2014/main" xmlns="" id="{5B37B294-6F01-986D-E8E5-119AE9A8F2BE}"/>
               </a:ext>
             </a:extLst>
           </p:cNvPr>
@@ -5974,10 +5974,10 @@
           <p:cNvPr id="10" name="Rectangle 9">
             <a:extLst>
               <a:ext uri="{FF2B5EF4-FFF2-40B4-BE49-F238E27FC236}">
-                <a16:creationId xmlns="" xmlns:a16="http://schemas.microsoft.com/office/drawing/2014/main" id="{7278DD10-67BC-4E87-A788-A45C6093F5F8}"/>
+                <a16:creationId xmlns:a16="http://schemas.microsoft.com/office/drawing/2014/main" xmlns="" id="{7278DD10-67BC-4E87-A788-A45C6093F5F8}"/>
               </a:ext>
               <a:ext uri="{C183D7F6-B498-43B3-948B-1728B52AA6E4}">
-                <adec:decorative xmlns="" xmlns:adec="http://schemas.microsoft.com/office/drawing/2017/decorative" val="1"/>
+                <adec:decorative xmlns:adec="http://schemas.microsoft.com/office/drawing/2017/decorative" xmlns="" val="1"/>
               </a:ext>
             </a:extLst>
           </p:cNvPr>
@@ -6029,10 +6029,10 @@
           <p:cNvPr id="11" name="Rectangle 10">
             <a:extLst>
               <a:ext uri="{FF2B5EF4-FFF2-40B4-BE49-F238E27FC236}">
-                <a16:creationId xmlns="" xmlns:a16="http://schemas.microsoft.com/office/drawing/2014/main" id="{916769F5-486B-4B48-A543-2C70359DF66E}"/>
+                <a16:creationId xmlns:a16="http://schemas.microsoft.com/office/drawing/2014/main" xmlns="" id="{916769F5-486B-4B48-A543-2C70359DF66E}"/>
               </a:ext>
               <a:ext uri="{C183D7F6-B498-43B3-948B-1728B52AA6E4}">
-                <adec:decorative xmlns="" xmlns:adec="http://schemas.microsoft.com/office/drawing/2017/decorative" val="1"/>
+                <adec:decorative xmlns:adec="http://schemas.microsoft.com/office/drawing/2017/decorative" xmlns="" val="1"/>
               </a:ext>
             </a:extLst>
           </p:cNvPr>
@@ -6084,7 +6084,7 @@
           <p:cNvPr id="12" name="Footer Placeholder 4">
             <a:extLst>
               <a:ext uri="{FF2B5EF4-FFF2-40B4-BE49-F238E27FC236}">
-                <a16:creationId xmlns="" xmlns:a16="http://schemas.microsoft.com/office/drawing/2014/main" id="{B47BB165-F380-48C4-B95B-C09C91893B2D}"/>
+                <a16:creationId xmlns:a16="http://schemas.microsoft.com/office/drawing/2014/main" xmlns="" id="{B47BB165-F380-48C4-B95B-C09C91893B2D}"/>
               </a:ext>
             </a:extLst>
           </p:cNvPr>
@@ -6118,7 +6118,7 @@
           <p:cNvPr id="14" name="Slide Number Placeholder 5">
             <a:extLst>
               <a:ext uri="{FF2B5EF4-FFF2-40B4-BE49-F238E27FC236}">
-                <a16:creationId xmlns="" xmlns:a16="http://schemas.microsoft.com/office/drawing/2014/main" id="{F0805E9B-6657-4167-BD79-CAC59C0D841D}"/>
+                <a16:creationId xmlns:a16="http://schemas.microsoft.com/office/drawing/2014/main" xmlns="" id="{F0805E9B-6657-4167-BD79-CAC59C0D841D}"/>
               </a:ext>
             </a:extLst>
           </p:cNvPr>
@@ -6157,7 +6157,7 @@
           <p:cNvPr id="3" name="Date Placeholder 3">
             <a:extLst>
               <a:ext uri="{FF2B5EF4-FFF2-40B4-BE49-F238E27FC236}">
-                <a16:creationId xmlns="" xmlns:a16="http://schemas.microsoft.com/office/drawing/2014/main" id="{D0EFA1AD-93FB-148E-CFC6-A6E5D9967406}"/>
+                <a16:creationId xmlns:a16="http://schemas.microsoft.com/office/drawing/2014/main" xmlns="" id="{D0EFA1AD-93FB-148E-CFC6-A6E5D9967406}"/>
               </a:ext>
             </a:extLst>
           </p:cNvPr>
@@ -6221,10 +6221,10 @@
           <p:cNvPr id="7" name="Rectangle 6">
             <a:extLst>
               <a:ext uri="{FF2B5EF4-FFF2-40B4-BE49-F238E27FC236}">
-                <a16:creationId xmlns="" xmlns:a16="http://schemas.microsoft.com/office/drawing/2014/main" id="{BF5F5DFA-1BC3-4062-9356-6145C9F7CD56}"/>
+                <a16:creationId xmlns:a16="http://schemas.microsoft.com/office/drawing/2014/main" xmlns="" id="{BF5F5DFA-1BC3-4062-9356-6145C9F7CD56}"/>
               </a:ext>
               <a:ext uri="{C183D7F6-B498-43B3-948B-1728B52AA6E4}">
-                <adec:decorative xmlns="" xmlns:adec="http://schemas.microsoft.com/office/drawing/2017/decorative" val="1"/>
+                <adec:decorative xmlns:adec="http://schemas.microsoft.com/office/drawing/2017/decorative" xmlns="" val="1"/>
               </a:ext>
             </a:extLst>
           </p:cNvPr>
@@ -6273,10 +6273,10 @@
           <p:cNvPr id="8" name="Rectangle 7">
             <a:extLst>
               <a:ext uri="{FF2B5EF4-FFF2-40B4-BE49-F238E27FC236}">
-                <a16:creationId xmlns="" xmlns:a16="http://schemas.microsoft.com/office/drawing/2014/main" id="{E6B5D461-AEC0-477F-A77A-6227F95A8374}"/>
+                <a16:creationId xmlns:a16="http://schemas.microsoft.com/office/drawing/2014/main" xmlns="" id="{E6B5D461-AEC0-477F-A77A-6227F95A8374}"/>
               </a:ext>
               <a:ext uri="{C183D7F6-B498-43B3-948B-1728B52AA6E4}">
-                <adec:decorative xmlns="" xmlns:adec="http://schemas.microsoft.com/office/drawing/2017/decorative" val="1"/>
+                <adec:decorative xmlns:adec="http://schemas.microsoft.com/office/drawing/2017/decorative" xmlns="" val="1"/>
               </a:ext>
             </a:extLst>
           </p:cNvPr>
@@ -6328,10 +6328,10 @@
           <p:cNvPr id="10" name="Rectangle 9">
             <a:extLst>
               <a:ext uri="{FF2B5EF4-FFF2-40B4-BE49-F238E27FC236}">
-                <a16:creationId xmlns="" xmlns:a16="http://schemas.microsoft.com/office/drawing/2014/main" id="{DE1A041D-DE47-45FA-AC78-CC7FD02571F2}"/>
+                <a16:creationId xmlns:a16="http://schemas.microsoft.com/office/drawing/2014/main" xmlns="" id="{DE1A041D-DE47-45FA-AC78-CC7FD02571F2}"/>
               </a:ext>
               <a:ext uri="{C183D7F6-B498-43B3-948B-1728B52AA6E4}">
-                <adec:decorative xmlns="" xmlns:adec="http://schemas.microsoft.com/office/drawing/2017/decorative" val="1"/>
+                <adec:decorative xmlns:adec="http://schemas.microsoft.com/office/drawing/2017/decorative" xmlns="" val="1"/>
               </a:ext>
             </a:extLst>
           </p:cNvPr>
@@ -6383,10 +6383,10 @@
           <p:cNvPr id="11" name="Rectangle 10">
             <a:extLst>
               <a:ext uri="{FF2B5EF4-FFF2-40B4-BE49-F238E27FC236}">
-                <a16:creationId xmlns="" xmlns:a16="http://schemas.microsoft.com/office/drawing/2014/main" id="{11614254-52EF-4F58-99B1-CDA7C39223C1}"/>
+                <a16:creationId xmlns:a16="http://schemas.microsoft.com/office/drawing/2014/main" xmlns="" id="{11614254-52EF-4F58-99B1-CDA7C39223C1}"/>
               </a:ext>
               <a:ext uri="{C183D7F6-B498-43B3-948B-1728B52AA6E4}">
-                <adec:decorative xmlns="" xmlns:adec="http://schemas.microsoft.com/office/drawing/2017/decorative" val="1"/>
+                <adec:decorative xmlns:adec="http://schemas.microsoft.com/office/drawing/2017/decorative" xmlns="" val="1"/>
               </a:ext>
             </a:extLst>
           </p:cNvPr>
@@ -6440,7 +6440,7 @@
           <p:cNvPr id="12" name="Title 1">
             <a:extLst>
               <a:ext uri="{FF2B5EF4-FFF2-40B4-BE49-F238E27FC236}">
-                <a16:creationId xmlns="" xmlns:a16="http://schemas.microsoft.com/office/drawing/2014/main" id="{BD3B3ABA-0408-41EA-935D-D4F4586AA840}"/>
+                <a16:creationId xmlns:a16="http://schemas.microsoft.com/office/drawing/2014/main" xmlns="" id="{BD3B3ABA-0408-41EA-935D-D4F4586AA840}"/>
               </a:ext>
             </a:extLst>
           </p:cNvPr>
@@ -6482,7 +6482,7 @@
           <p:cNvPr id="2" name="Content Placeholder 2">
             <a:extLst>
               <a:ext uri="{FF2B5EF4-FFF2-40B4-BE49-F238E27FC236}">
-                <a16:creationId xmlns="" xmlns:a16="http://schemas.microsoft.com/office/drawing/2014/main" id="{FEF27B53-079D-232F-8AA5-ED461B34E8D2}"/>
+                <a16:creationId xmlns:a16="http://schemas.microsoft.com/office/drawing/2014/main" xmlns="" id="{FEF27B53-079D-232F-8AA5-ED461B34E8D2}"/>
               </a:ext>
             </a:extLst>
           </p:cNvPr>
@@ -6593,10 +6593,10 @@
           <p:cNvPr id="14" name="Rectangle 13">
             <a:extLst>
               <a:ext uri="{FF2B5EF4-FFF2-40B4-BE49-F238E27FC236}">
-                <a16:creationId xmlns="" xmlns:a16="http://schemas.microsoft.com/office/drawing/2014/main" id="{1837301C-2B9B-4119-9002-BD6DB2AB87FB}"/>
+                <a16:creationId xmlns:a16="http://schemas.microsoft.com/office/drawing/2014/main" xmlns="" id="{1837301C-2B9B-4119-9002-BD6DB2AB87FB}"/>
               </a:ext>
               <a:ext uri="{C183D7F6-B498-43B3-948B-1728B52AA6E4}">
-                <adec:decorative xmlns="" xmlns:adec="http://schemas.microsoft.com/office/drawing/2017/decorative" val="1"/>
+                <adec:decorative xmlns:adec="http://schemas.microsoft.com/office/drawing/2017/decorative" xmlns="" val="1"/>
               </a:ext>
             </a:extLst>
           </p:cNvPr>
@@ -6648,10 +6648,10 @@
           <p:cNvPr id="15" name="Rectangle 14">
             <a:extLst>
               <a:ext uri="{FF2B5EF4-FFF2-40B4-BE49-F238E27FC236}">
-                <a16:creationId xmlns="" xmlns:a16="http://schemas.microsoft.com/office/drawing/2014/main" id="{BD12738D-D0ED-4899-A01C-42439B5B3E64}"/>
+                <a16:creationId xmlns:a16="http://schemas.microsoft.com/office/drawing/2014/main" xmlns="" id="{BD12738D-D0ED-4899-A01C-42439B5B3E64}"/>
               </a:ext>
               <a:ext uri="{C183D7F6-B498-43B3-948B-1728B52AA6E4}">
-                <adec:decorative xmlns="" xmlns:adec="http://schemas.microsoft.com/office/drawing/2017/decorative" val="1"/>
+                <adec:decorative xmlns:adec="http://schemas.microsoft.com/office/drawing/2017/decorative" xmlns="" val="1"/>
               </a:ext>
             </a:extLst>
           </p:cNvPr>
@@ -6705,10 +6705,10 @@
           <p:cNvPr id="16" name="Rectangle 15">
             <a:extLst>
               <a:ext uri="{FF2B5EF4-FFF2-40B4-BE49-F238E27FC236}">
-                <a16:creationId xmlns="" xmlns:a16="http://schemas.microsoft.com/office/drawing/2014/main" id="{5EED261D-45B9-40C1-8341-8B8B796E8AE2}"/>
+                <a16:creationId xmlns:a16="http://schemas.microsoft.com/office/drawing/2014/main" xmlns="" id="{5EED261D-45B9-40C1-8341-8B8B796E8AE2}"/>
               </a:ext>
               <a:ext uri="{C183D7F6-B498-43B3-948B-1728B52AA6E4}">
-                <adec:decorative xmlns="" xmlns:adec="http://schemas.microsoft.com/office/drawing/2017/decorative" val="1"/>
+                <adec:decorative xmlns:adec="http://schemas.microsoft.com/office/drawing/2017/decorative" xmlns="" val="1"/>
               </a:ext>
             </a:extLst>
           </p:cNvPr>
@@ -6760,10 +6760,10 @@
           <p:cNvPr id="18" name="Rectangle 17">
             <a:extLst>
               <a:ext uri="{FF2B5EF4-FFF2-40B4-BE49-F238E27FC236}">
-                <a16:creationId xmlns="" xmlns:a16="http://schemas.microsoft.com/office/drawing/2014/main" id="{3E23953F-BF80-48E0-8282-62907D6C29C6}"/>
+                <a16:creationId xmlns:a16="http://schemas.microsoft.com/office/drawing/2014/main" xmlns="" id="{3E23953F-BF80-48E0-8282-62907D6C29C6}"/>
               </a:ext>
               <a:ext uri="{C183D7F6-B498-43B3-948B-1728B52AA6E4}">
-                <adec:decorative xmlns="" xmlns:adec="http://schemas.microsoft.com/office/drawing/2017/decorative" val="1"/>
+                <adec:decorative xmlns:adec="http://schemas.microsoft.com/office/drawing/2017/decorative" xmlns="" val="1"/>
               </a:ext>
             </a:extLst>
           </p:cNvPr>
@@ -6815,7 +6815,7 @@
           <p:cNvPr id="23" name="Footer Placeholder 4">
             <a:extLst>
               <a:ext uri="{FF2B5EF4-FFF2-40B4-BE49-F238E27FC236}">
-                <a16:creationId xmlns="" xmlns:a16="http://schemas.microsoft.com/office/drawing/2014/main" id="{4F4FDF97-2780-775F-9416-96F7A90662B2}"/>
+                <a16:creationId xmlns:a16="http://schemas.microsoft.com/office/drawing/2014/main" xmlns="" id="{4F4FDF97-2780-775F-9416-96F7A90662B2}"/>
               </a:ext>
             </a:extLst>
           </p:cNvPr>
@@ -6855,7 +6855,7 @@
           <p:cNvPr id="24" name="Date Placeholder 3">
             <a:extLst>
               <a:ext uri="{FF2B5EF4-FFF2-40B4-BE49-F238E27FC236}">
-                <a16:creationId xmlns="" xmlns:a16="http://schemas.microsoft.com/office/drawing/2014/main" id="{A03787D1-4AB7-2166-D4DB-A3878CBB24F1}"/>
+                <a16:creationId xmlns:a16="http://schemas.microsoft.com/office/drawing/2014/main" xmlns="" id="{A03787D1-4AB7-2166-D4DB-A3878CBB24F1}"/>
               </a:ext>
             </a:extLst>
           </p:cNvPr>
@@ -6891,7 +6891,7 @@
           <p:cNvPr id="25" name="Slide Number Placeholder 5">
             <a:extLst>
               <a:ext uri="{FF2B5EF4-FFF2-40B4-BE49-F238E27FC236}">
-                <a16:creationId xmlns="" xmlns:a16="http://schemas.microsoft.com/office/drawing/2014/main" id="{4F8C5CD2-BF99-0846-2E4A-179E6C459F1A}"/>
+                <a16:creationId xmlns:a16="http://schemas.microsoft.com/office/drawing/2014/main" xmlns="" id="{4F8C5CD2-BF99-0846-2E4A-179E6C459F1A}"/>
               </a:ext>
             </a:extLst>
           </p:cNvPr>
@@ -6960,10 +6960,10 @@
           <p:cNvPr id="2" name="Rectangle 1">
             <a:extLst>
               <a:ext uri="{FF2B5EF4-FFF2-40B4-BE49-F238E27FC236}">
-                <a16:creationId xmlns="" xmlns:a16="http://schemas.microsoft.com/office/drawing/2014/main" id="{2A19A957-1FB5-43F8-B325-BBD9FEF23E88}"/>
+                <a16:creationId xmlns:a16="http://schemas.microsoft.com/office/drawing/2014/main" xmlns="" id="{2A19A957-1FB5-43F8-B325-BBD9FEF23E88}"/>
               </a:ext>
               <a:ext uri="{C183D7F6-B498-43B3-948B-1728B52AA6E4}">
-                <adec:decorative xmlns="" xmlns:adec="http://schemas.microsoft.com/office/drawing/2017/decorative" val="1"/>
+                <adec:decorative xmlns:adec="http://schemas.microsoft.com/office/drawing/2017/decorative" xmlns="" val="1"/>
               </a:ext>
             </a:extLst>
           </p:cNvPr>
@@ -7041,10 +7041,10 @@
           <p:cNvPr id="20" name="Rectangle 19">
             <a:extLst>
               <a:ext uri="{FF2B5EF4-FFF2-40B4-BE49-F238E27FC236}">
-                <a16:creationId xmlns="" xmlns:a16="http://schemas.microsoft.com/office/drawing/2014/main" id="{3FA5410A-92A6-4C0B-9D89-186B7DDB20BD}"/>
+                <a16:creationId xmlns:a16="http://schemas.microsoft.com/office/drawing/2014/main" xmlns="" id="{3FA5410A-92A6-4C0B-9D89-186B7DDB20BD}"/>
               </a:ext>
               <a:ext uri="{C183D7F6-B498-43B3-948B-1728B52AA6E4}">
-                <adec:decorative xmlns="" xmlns:adec="http://schemas.microsoft.com/office/drawing/2017/decorative" val="1"/>
+                <adec:decorative xmlns:adec="http://schemas.microsoft.com/office/drawing/2017/decorative" xmlns="" val="1"/>
               </a:ext>
             </a:extLst>
           </p:cNvPr>
@@ -7096,10 +7096,10 @@
           <p:cNvPr id="5" name="Rectangle 4">
             <a:extLst>
               <a:ext uri="{FF2B5EF4-FFF2-40B4-BE49-F238E27FC236}">
-                <a16:creationId xmlns="" xmlns:a16="http://schemas.microsoft.com/office/drawing/2014/main" id="{21A26073-23A2-4B91-A128-79AA1BE93523}"/>
+                <a16:creationId xmlns:a16="http://schemas.microsoft.com/office/drawing/2014/main" xmlns="" id="{21A26073-23A2-4B91-A128-79AA1BE93523}"/>
               </a:ext>
               <a:ext uri="{C183D7F6-B498-43B3-948B-1728B52AA6E4}">
-                <adec:decorative xmlns="" xmlns:adec="http://schemas.microsoft.com/office/drawing/2017/decorative" val="1"/>
+                <adec:decorative xmlns:adec="http://schemas.microsoft.com/office/drawing/2017/decorative" xmlns="" val="1"/>
               </a:ext>
             </a:extLst>
           </p:cNvPr>
@@ -7153,10 +7153,10 @@
           <p:cNvPr id="6" name="Rectangle 5">
             <a:extLst>
               <a:ext uri="{FF2B5EF4-FFF2-40B4-BE49-F238E27FC236}">
-                <a16:creationId xmlns="" xmlns:a16="http://schemas.microsoft.com/office/drawing/2014/main" id="{C14D5DFA-0CEA-43F0-98EE-6C9F741F7C96}"/>
+                <a16:creationId xmlns:a16="http://schemas.microsoft.com/office/drawing/2014/main" xmlns="" id="{C14D5DFA-0CEA-43F0-98EE-6C9F741F7C96}"/>
               </a:ext>
               <a:ext uri="{C183D7F6-B498-43B3-948B-1728B52AA6E4}">
-                <adec:decorative xmlns="" xmlns:adec="http://schemas.microsoft.com/office/drawing/2017/decorative" val="1"/>
+                <adec:decorative xmlns:adec="http://schemas.microsoft.com/office/drawing/2017/decorative" xmlns="" val="1"/>
               </a:ext>
             </a:extLst>
           </p:cNvPr>
@@ -7208,7 +7208,7 @@
           <p:cNvPr id="14" name="Title 1">
             <a:extLst>
               <a:ext uri="{FF2B5EF4-FFF2-40B4-BE49-F238E27FC236}">
-                <a16:creationId xmlns="" xmlns:a16="http://schemas.microsoft.com/office/drawing/2014/main" id="{5E19795B-1103-80EF-6098-1E8371D07DB8}"/>
+                <a16:creationId xmlns:a16="http://schemas.microsoft.com/office/drawing/2014/main" xmlns="" id="{5E19795B-1103-80EF-6098-1E8371D07DB8}"/>
               </a:ext>
             </a:extLst>
           </p:cNvPr>
@@ -7258,7 +7258,7 @@
           <p:cNvPr id="3" name="Content Placeholder 2">
             <a:extLst>
               <a:ext uri="{FF2B5EF4-FFF2-40B4-BE49-F238E27FC236}">
-                <a16:creationId xmlns="" xmlns:a16="http://schemas.microsoft.com/office/drawing/2014/main" id="{7ED4F766-C576-F298-E93A-CD0D832F8E4F}"/>
+                <a16:creationId xmlns:a16="http://schemas.microsoft.com/office/drawing/2014/main" xmlns="" id="{7ED4F766-C576-F298-E93A-CD0D832F8E4F}"/>
               </a:ext>
             </a:extLst>
           </p:cNvPr>
@@ -7368,10 +7368,10 @@
           <p:cNvPr id="9" name="Rectangle 8">
             <a:extLst>
               <a:ext uri="{FF2B5EF4-FFF2-40B4-BE49-F238E27FC236}">
-                <a16:creationId xmlns="" xmlns:a16="http://schemas.microsoft.com/office/drawing/2014/main" id="{8352712D-F957-4B22-8B50-BE10410FF895}"/>
+                <a16:creationId xmlns:a16="http://schemas.microsoft.com/office/drawing/2014/main" xmlns="" id="{8352712D-F957-4B22-8B50-BE10410FF895}"/>
               </a:ext>
               <a:ext uri="{C183D7F6-B498-43B3-948B-1728B52AA6E4}">
-                <adec:decorative xmlns="" xmlns:adec="http://schemas.microsoft.com/office/drawing/2017/decorative" val="1"/>
+                <adec:decorative xmlns:adec="http://schemas.microsoft.com/office/drawing/2017/decorative" xmlns="" val="1"/>
               </a:ext>
             </a:extLst>
           </p:cNvPr>
@@ -7423,7 +7423,7 @@
           <p:cNvPr id="11" name="Footer Placeholder 29">
             <a:extLst>
               <a:ext uri="{FF2B5EF4-FFF2-40B4-BE49-F238E27FC236}">
-                <a16:creationId xmlns="" xmlns:a16="http://schemas.microsoft.com/office/drawing/2014/main" id="{26FD74F8-42BB-4CB4-ABF1-5F149743B464}"/>
+                <a16:creationId xmlns:a16="http://schemas.microsoft.com/office/drawing/2014/main" xmlns="" id="{26FD74F8-42BB-4CB4-ABF1-5F149743B464}"/>
               </a:ext>
             </a:extLst>
           </p:cNvPr>
@@ -7469,7 +7469,7 @@
           <p:cNvPr id="10" name="Date Placeholder 28">
             <a:extLst>
               <a:ext uri="{FF2B5EF4-FFF2-40B4-BE49-F238E27FC236}">
-                <a16:creationId xmlns="" xmlns:a16="http://schemas.microsoft.com/office/drawing/2014/main" id="{5B031752-6400-4BFB-979F-E2EE795E4B90}"/>
+                <a16:creationId xmlns:a16="http://schemas.microsoft.com/office/drawing/2014/main" xmlns="" id="{5B031752-6400-4BFB-979F-E2EE795E4B90}"/>
               </a:ext>
             </a:extLst>
           </p:cNvPr>
@@ -7507,7 +7507,7 @@
           <p:cNvPr id="12" name="Slide Number Placeholder 30">
             <a:extLst>
               <a:ext uri="{FF2B5EF4-FFF2-40B4-BE49-F238E27FC236}">
-                <a16:creationId xmlns="" xmlns:a16="http://schemas.microsoft.com/office/drawing/2014/main" id="{6A5CAEAF-7DEC-4B20-8B1E-301A9D0E684A}"/>
+                <a16:creationId xmlns:a16="http://schemas.microsoft.com/office/drawing/2014/main" xmlns="" id="{6A5CAEAF-7DEC-4B20-8B1E-301A9D0E684A}"/>
               </a:ext>
             </a:extLst>
           </p:cNvPr>
@@ -7546,10 +7546,10 @@
           <p:cNvPr id="13" name="Rectangle 12">
             <a:extLst>
               <a:ext uri="{FF2B5EF4-FFF2-40B4-BE49-F238E27FC236}">
-                <a16:creationId xmlns="" xmlns:a16="http://schemas.microsoft.com/office/drawing/2014/main" id="{70B696A3-EA34-4924-9037-E330B1CB890E}"/>
+                <a16:creationId xmlns:a16="http://schemas.microsoft.com/office/drawing/2014/main" xmlns="" id="{70B696A3-EA34-4924-9037-E330B1CB890E}"/>
               </a:ext>
               <a:ext uri="{C183D7F6-B498-43B3-948B-1728B52AA6E4}">
-                <adec:decorative xmlns="" xmlns:adec="http://schemas.microsoft.com/office/drawing/2017/decorative" val="1"/>
+                <adec:decorative xmlns:adec="http://schemas.microsoft.com/office/drawing/2017/decorative" xmlns="" val="1"/>
               </a:ext>
             </a:extLst>
           </p:cNvPr>
@@ -7601,7 +7601,7 @@
           <p:cNvPr id="4" name="Content Placeholder 2">
             <a:extLst>
               <a:ext uri="{FF2B5EF4-FFF2-40B4-BE49-F238E27FC236}">
-                <a16:creationId xmlns="" xmlns:a16="http://schemas.microsoft.com/office/drawing/2014/main" id="{2E94D0A7-4358-49BF-96EE-8DEB6F4DCF56}"/>
+                <a16:creationId xmlns:a16="http://schemas.microsoft.com/office/drawing/2014/main" xmlns="" id="{2E94D0A7-4358-49BF-96EE-8DEB6F4DCF56}"/>
               </a:ext>
             </a:extLst>
           </p:cNvPr>
@@ -7742,10 +7742,10 @@
           <p:cNvPr id="6" name="Rectangle 5">
             <a:extLst>
               <a:ext uri="{FF2B5EF4-FFF2-40B4-BE49-F238E27FC236}">
-                <a16:creationId xmlns="" xmlns:a16="http://schemas.microsoft.com/office/drawing/2014/main" id="{23DC2F0A-1748-49AE-AF72-D6BBB4F8FEC3}"/>
+                <a16:creationId xmlns:a16="http://schemas.microsoft.com/office/drawing/2014/main" xmlns="" id="{23DC2F0A-1748-49AE-AF72-D6BBB4F8FEC3}"/>
               </a:ext>
               <a:ext uri="{C183D7F6-B498-43B3-948B-1728B52AA6E4}">
-                <adec:decorative xmlns="" xmlns:adec="http://schemas.microsoft.com/office/drawing/2017/decorative" val="1"/>
+                <adec:decorative xmlns:adec="http://schemas.microsoft.com/office/drawing/2017/decorative" xmlns="" val="1"/>
               </a:ext>
             </a:extLst>
           </p:cNvPr>
@@ -7794,10 +7794,10 @@
           <p:cNvPr id="7" name="Rectangle 6">
             <a:extLst>
               <a:ext uri="{FF2B5EF4-FFF2-40B4-BE49-F238E27FC236}">
-                <a16:creationId xmlns="" xmlns:a16="http://schemas.microsoft.com/office/drawing/2014/main" id="{683DF7B1-E0C5-4E09-BB5C-F11EA14D7C95}"/>
+                <a16:creationId xmlns:a16="http://schemas.microsoft.com/office/drawing/2014/main" xmlns="" id="{683DF7B1-E0C5-4E09-BB5C-F11EA14D7C95}"/>
               </a:ext>
               <a:ext uri="{C183D7F6-B498-43B3-948B-1728B52AA6E4}">
-                <adec:decorative xmlns="" xmlns:adec="http://schemas.microsoft.com/office/drawing/2017/decorative" val="1"/>
+                <adec:decorative xmlns:adec="http://schemas.microsoft.com/office/drawing/2017/decorative" xmlns="" val="1"/>
               </a:ext>
             </a:extLst>
           </p:cNvPr>
@@ -7849,7 +7849,7 @@
           <p:cNvPr id="8" name="Title 1">
             <a:extLst>
               <a:ext uri="{FF2B5EF4-FFF2-40B4-BE49-F238E27FC236}">
-                <a16:creationId xmlns="" xmlns:a16="http://schemas.microsoft.com/office/drawing/2014/main" id="{BBC678EC-E47C-4AC2-A75A-7022CECD0031}"/>
+                <a16:creationId xmlns:a16="http://schemas.microsoft.com/office/drawing/2014/main" xmlns="" id="{BBC678EC-E47C-4AC2-A75A-7022CECD0031}"/>
               </a:ext>
             </a:extLst>
           </p:cNvPr>
@@ -7899,10 +7899,10 @@
           <p:cNvPr id="9" name="Rectangle 8">
             <a:extLst>
               <a:ext uri="{FF2B5EF4-FFF2-40B4-BE49-F238E27FC236}">
-                <a16:creationId xmlns="" xmlns:a16="http://schemas.microsoft.com/office/drawing/2014/main" id="{5E74E69A-5ABD-42DF-A2B0-997A626257D4}"/>
+                <a16:creationId xmlns:a16="http://schemas.microsoft.com/office/drawing/2014/main" xmlns="" id="{5E74E69A-5ABD-42DF-A2B0-997A626257D4}"/>
               </a:ext>
               <a:ext uri="{C183D7F6-B498-43B3-948B-1728B52AA6E4}">
-                <adec:decorative xmlns="" xmlns:adec="http://schemas.microsoft.com/office/drawing/2017/decorative" val="1"/>
+                <adec:decorative xmlns:adec="http://schemas.microsoft.com/office/drawing/2017/decorative" xmlns="" val="1"/>
               </a:ext>
             </a:extLst>
           </p:cNvPr>
@@ -7954,10 +7954,10 @@
           <p:cNvPr id="10" name="Rectangle 9">
             <a:extLst>
               <a:ext uri="{FF2B5EF4-FFF2-40B4-BE49-F238E27FC236}">
-                <a16:creationId xmlns="" xmlns:a16="http://schemas.microsoft.com/office/drawing/2014/main" id="{EC2B6D0A-4A1F-4B59-B429-AD3FABC74F33}"/>
+                <a16:creationId xmlns:a16="http://schemas.microsoft.com/office/drawing/2014/main" xmlns="" id="{EC2B6D0A-4A1F-4B59-B429-AD3FABC74F33}"/>
               </a:ext>
               <a:ext uri="{C183D7F6-B498-43B3-948B-1728B52AA6E4}">
-                <adec:decorative xmlns="" xmlns:adec="http://schemas.microsoft.com/office/drawing/2017/decorative" val="1"/>
+                <adec:decorative xmlns:adec="http://schemas.microsoft.com/office/drawing/2017/decorative" xmlns="" val="1"/>
               </a:ext>
             </a:extLst>
           </p:cNvPr>
@@ -8009,10 +8009,10 @@
           <p:cNvPr id="11" name="Rectangle 10">
             <a:extLst>
               <a:ext uri="{FF2B5EF4-FFF2-40B4-BE49-F238E27FC236}">
-                <a16:creationId xmlns="" xmlns:a16="http://schemas.microsoft.com/office/drawing/2014/main" id="{32B66529-F6B7-4C1C-8291-8139628DF6C0}"/>
+                <a16:creationId xmlns:a16="http://schemas.microsoft.com/office/drawing/2014/main" xmlns="" id="{32B66529-F6B7-4C1C-8291-8139628DF6C0}"/>
               </a:ext>
               <a:ext uri="{C183D7F6-B498-43B3-948B-1728B52AA6E4}">
-                <adec:decorative xmlns="" xmlns:adec="http://schemas.microsoft.com/office/drawing/2017/decorative" val="1"/>
+                <adec:decorative xmlns:adec="http://schemas.microsoft.com/office/drawing/2017/decorative" xmlns="" val="1"/>
               </a:ext>
             </a:extLst>
           </p:cNvPr>
@@ -8064,10 +8064,10 @@
           <p:cNvPr id="14" name="Rectangle 13">
             <a:extLst>
               <a:ext uri="{FF2B5EF4-FFF2-40B4-BE49-F238E27FC236}">
-                <a16:creationId xmlns="" xmlns:a16="http://schemas.microsoft.com/office/drawing/2014/main" id="{872245B9-34B5-4F89-8EA6-C018B9D4FA46}"/>
+                <a16:creationId xmlns:a16="http://schemas.microsoft.com/office/drawing/2014/main" xmlns="" id="{872245B9-34B5-4F89-8EA6-C018B9D4FA46}"/>
               </a:ext>
               <a:ext uri="{C183D7F6-B498-43B3-948B-1728B52AA6E4}">
-                <adec:decorative xmlns="" xmlns:adec="http://schemas.microsoft.com/office/drawing/2017/decorative" val="1"/>
+                <adec:decorative xmlns:adec="http://schemas.microsoft.com/office/drawing/2017/decorative" xmlns="" val="1"/>
               </a:ext>
             </a:extLst>
           </p:cNvPr>
@@ -8121,10 +8121,10 @@
           <p:cNvPr id="15" name="Rectangle 14">
             <a:extLst>
               <a:ext uri="{FF2B5EF4-FFF2-40B4-BE49-F238E27FC236}">
-                <a16:creationId xmlns="" xmlns:a16="http://schemas.microsoft.com/office/drawing/2014/main" id="{690814BE-76E8-43EC-9616-A1F02F053AD5}"/>
+                <a16:creationId xmlns:a16="http://schemas.microsoft.com/office/drawing/2014/main" xmlns="" id="{690814BE-76E8-43EC-9616-A1F02F053AD5}"/>
               </a:ext>
               <a:ext uri="{C183D7F6-B498-43B3-948B-1728B52AA6E4}">
-                <adec:decorative xmlns="" xmlns:adec="http://schemas.microsoft.com/office/drawing/2017/decorative" val="1"/>
+                <adec:decorative xmlns:adec="http://schemas.microsoft.com/office/drawing/2017/decorative" xmlns="" val="1"/>
               </a:ext>
             </a:extLst>
           </p:cNvPr>
@@ -8176,7 +8176,7 @@
           <p:cNvPr id="16" name="Content Placeholder 2">
             <a:extLst>
               <a:ext uri="{FF2B5EF4-FFF2-40B4-BE49-F238E27FC236}">
-                <a16:creationId xmlns="" xmlns:a16="http://schemas.microsoft.com/office/drawing/2014/main" id="{F8AAA0A6-9D4B-4AA2-82F0-77E5ECF4B647}"/>
+                <a16:creationId xmlns:a16="http://schemas.microsoft.com/office/drawing/2014/main" xmlns="" id="{F8AAA0A6-9D4B-4AA2-82F0-77E5ECF4B647}"/>
               </a:ext>
             </a:extLst>
           </p:cNvPr>
@@ -8222,7 +8222,7 @@
           <p:cNvPr id="17" name="Footer Placeholder 12">
             <a:extLst>
               <a:ext uri="{FF2B5EF4-FFF2-40B4-BE49-F238E27FC236}">
-                <a16:creationId xmlns="" xmlns:a16="http://schemas.microsoft.com/office/drawing/2014/main" id="{8E3FFD99-95F0-47A4-8642-FB9FECEC4F37}"/>
+                <a16:creationId xmlns:a16="http://schemas.microsoft.com/office/drawing/2014/main" xmlns="" id="{8E3FFD99-95F0-47A4-8642-FB9FECEC4F37}"/>
               </a:ext>
             </a:extLst>
           </p:cNvPr>
@@ -8270,10 +8270,10 @@
           <p:cNvPr id="18" name="Rectangle 17">
             <a:extLst>
               <a:ext uri="{FF2B5EF4-FFF2-40B4-BE49-F238E27FC236}">
-                <a16:creationId xmlns="" xmlns:a16="http://schemas.microsoft.com/office/drawing/2014/main" id="{94727536-E532-4015-A178-0ABB6B09C661}"/>
+                <a16:creationId xmlns:a16="http://schemas.microsoft.com/office/drawing/2014/main" xmlns="" id="{94727536-E532-4015-A178-0ABB6B09C661}"/>
               </a:ext>
               <a:ext uri="{C183D7F6-B498-43B3-948B-1728B52AA6E4}">
-                <adec:decorative xmlns="" xmlns:adec="http://schemas.microsoft.com/office/drawing/2017/decorative" val="1"/>
+                <adec:decorative xmlns:adec="http://schemas.microsoft.com/office/drawing/2017/decorative" xmlns="" val="1"/>
               </a:ext>
             </a:extLst>
           </p:cNvPr>
@@ -8325,7 +8325,7 @@
           <p:cNvPr id="19" name="Date Placeholder 11">
             <a:extLst>
               <a:ext uri="{FF2B5EF4-FFF2-40B4-BE49-F238E27FC236}">
-                <a16:creationId xmlns="" xmlns:a16="http://schemas.microsoft.com/office/drawing/2014/main" id="{22977876-C29D-4D32-9948-303465AEC312}"/>
+                <a16:creationId xmlns:a16="http://schemas.microsoft.com/office/drawing/2014/main" xmlns="" id="{22977876-C29D-4D32-9948-303465AEC312}"/>
               </a:ext>
             </a:extLst>
           </p:cNvPr>
@@ -8355,7 +8355,7 @@
           <p:cNvPr id="20" name="Slide Number Placeholder 15">
             <a:extLst>
               <a:ext uri="{FF2B5EF4-FFF2-40B4-BE49-F238E27FC236}">
-                <a16:creationId xmlns="" xmlns:a16="http://schemas.microsoft.com/office/drawing/2014/main" id="{6A7BC11E-2EF0-4989-9A7E-7AB377DB8534}"/>
+                <a16:creationId xmlns:a16="http://schemas.microsoft.com/office/drawing/2014/main" xmlns="" id="{6A7BC11E-2EF0-4989-9A7E-7AB377DB8534}"/>
               </a:ext>
             </a:extLst>
           </p:cNvPr>
@@ -8394,10 +8394,10 @@
           <p:cNvPr id="2" name="Rectangle 1">
             <a:extLst>
               <a:ext uri="{FF2B5EF4-FFF2-40B4-BE49-F238E27FC236}">
-                <a16:creationId xmlns="" xmlns:a16="http://schemas.microsoft.com/office/drawing/2014/main" id="{50557ABF-B75C-BD78-1A04-E483A57A9491}"/>
+                <a16:creationId xmlns:a16="http://schemas.microsoft.com/office/drawing/2014/main" xmlns="" id="{50557ABF-B75C-BD78-1A04-E483A57A9491}"/>
               </a:ext>
               <a:ext uri="{C183D7F6-B498-43B3-948B-1728B52AA6E4}">
-                <adec:decorative xmlns="" xmlns:adec="http://schemas.microsoft.com/office/drawing/2017/decorative" val="1"/>
+                <adec:decorative xmlns:adec="http://schemas.microsoft.com/office/drawing/2017/decorative" xmlns="" val="1"/>
               </a:ext>
             </a:extLst>
           </p:cNvPr>
@@ -8650,10 +8650,10 @@
           <p:cNvPr id="52" name="Rectangle 51">
             <a:extLst>
               <a:ext uri="{FF2B5EF4-FFF2-40B4-BE49-F238E27FC236}">
-                <a16:creationId xmlns="" xmlns:a16="http://schemas.microsoft.com/office/drawing/2014/main" id="{EA8D8870-8337-4ABD-9EA6-3D5AAB7E42D9}"/>
+                <a16:creationId xmlns:a16="http://schemas.microsoft.com/office/drawing/2014/main" xmlns="" id="{EA8D8870-8337-4ABD-9EA6-3D5AAB7E42D9}"/>
               </a:ext>
               <a:ext uri="{C183D7F6-B498-43B3-948B-1728B52AA6E4}">
-                <adec:decorative xmlns="" xmlns:adec="http://schemas.microsoft.com/office/drawing/2017/decorative" val="1"/>
+                <adec:decorative xmlns:adec="http://schemas.microsoft.com/office/drawing/2017/decorative" xmlns="" val="1"/>
               </a:ext>
             </a:extLst>
           </p:cNvPr>
@@ -8702,10 +8702,10 @@
           <p:cNvPr id="53" name="Rectangle 52">
             <a:extLst>
               <a:ext uri="{FF2B5EF4-FFF2-40B4-BE49-F238E27FC236}">
-                <a16:creationId xmlns="" xmlns:a16="http://schemas.microsoft.com/office/drawing/2014/main" id="{BAC3B2DB-2CCA-4BD4-8D63-98257049E273}"/>
+                <a16:creationId xmlns:a16="http://schemas.microsoft.com/office/drawing/2014/main" xmlns="" id="{BAC3B2DB-2CCA-4BD4-8D63-98257049E273}"/>
               </a:ext>
               <a:ext uri="{C183D7F6-B498-43B3-948B-1728B52AA6E4}">
-                <adec:decorative xmlns="" xmlns:adec="http://schemas.microsoft.com/office/drawing/2017/decorative" val="1"/>
+                <adec:decorative xmlns:adec="http://schemas.microsoft.com/office/drawing/2017/decorative" xmlns="" val="1"/>
               </a:ext>
             </a:extLst>
           </p:cNvPr>
@@ -8757,7 +8757,7 @@
           <p:cNvPr id="54" name="Title 1">
             <a:extLst>
               <a:ext uri="{FF2B5EF4-FFF2-40B4-BE49-F238E27FC236}">
-                <a16:creationId xmlns="" xmlns:a16="http://schemas.microsoft.com/office/drawing/2014/main" id="{324DAAC3-FA37-4838-A298-327679F99F8A}"/>
+                <a16:creationId xmlns:a16="http://schemas.microsoft.com/office/drawing/2014/main" xmlns="" id="{324DAAC3-FA37-4838-A298-327679F99F8A}"/>
               </a:ext>
             </a:extLst>
           </p:cNvPr>
@@ -8807,10 +8807,10 @@
           <p:cNvPr id="56" name="Rectangle 55">
             <a:extLst>
               <a:ext uri="{FF2B5EF4-FFF2-40B4-BE49-F238E27FC236}">
-                <a16:creationId xmlns="" xmlns:a16="http://schemas.microsoft.com/office/drawing/2014/main" id="{FB792E4C-AD3B-4E88-8540-E75759746368}"/>
+                <a16:creationId xmlns:a16="http://schemas.microsoft.com/office/drawing/2014/main" xmlns="" id="{FB792E4C-AD3B-4E88-8540-E75759746368}"/>
               </a:ext>
               <a:ext uri="{C183D7F6-B498-43B3-948B-1728B52AA6E4}">
-                <adec:decorative xmlns="" xmlns:adec="http://schemas.microsoft.com/office/drawing/2017/decorative" val="1"/>
+                <adec:decorative xmlns:adec="http://schemas.microsoft.com/office/drawing/2017/decorative" xmlns="" val="1"/>
               </a:ext>
             </a:extLst>
           </p:cNvPr>
@@ -8862,10 +8862,10 @@
           <p:cNvPr id="57" name="Rectangle 56">
             <a:extLst>
               <a:ext uri="{FF2B5EF4-FFF2-40B4-BE49-F238E27FC236}">
-                <a16:creationId xmlns="" xmlns:a16="http://schemas.microsoft.com/office/drawing/2014/main" id="{6A32632F-9ED1-4328-BBE3-B4E014156A29}"/>
+                <a16:creationId xmlns:a16="http://schemas.microsoft.com/office/drawing/2014/main" xmlns="" id="{6A32632F-9ED1-4328-BBE3-B4E014156A29}"/>
               </a:ext>
               <a:ext uri="{C183D7F6-B498-43B3-948B-1728B52AA6E4}">
-                <adec:decorative xmlns="" xmlns:adec="http://schemas.microsoft.com/office/drawing/2017/decorative" val="1"/>
+                <adec:decorative xmlns:adec="http://schemas.microsoft.com/office/drawing/2017/decorative" xmlns="" val="1"/>
               </a:ext>
             </a:extLst>
           </p:cNvPr>
@@ -8917,10 +8917,10 @@
           <p:cNvPr id="59" name="Rectangle 58">
             <a:extLst>
               <a:ext uri="{FF2B5EF4-FFF2-40B4-BE49-F238E27FC236}">
-                <a16:creationId xmlns="" xmlns:a16="http://schemas.microsoft.com/office/drawing/2014/main" id="{EA124D3C-01E3-4B96-BDF0-54851D1739D0}"/>
+                <a16:creationId xmlns:a16="http://schemas.microsoft.com/office/drawing/2014/main" xmlns="" id="{EA124D3C-01E3-4B96-BDF0-54851D1739D0}"/>
               </a:ext>
               <a:ext uri="{C183D7F6-B498-43B3-948B-1728B52AA6E4}">
-                <adec:decorative xmlns="" xmlns:adec="http://schemas.microsoft.com/office/drawing/2017/decorative" val="1"/>
+                <adec:decorative xmlns:adec="http://schemas.microsoft.com/office/drawing/2017/decorative" xmlns="" val="1"/>
               </a:ext>
             </a:extLst>
           </p:cNvPr>
@@ -8972,10 +8972,10 @@
           <p:cNvPr id="3" name="Rectangle 2">
             <a:extLst>
               <a:ext uri="{FF2B5EF4-FFF2-40B4-BE49-F238E27FC236}">
-                <a16:creationId xmlns="" xmlns:a16="http://schemas.microsoft.com/office/drawing/2014/main" id="{167A64FF-37A7-4837-8033-CBEA22697ECA}"/>
+                <a16:creationId xmlns:a16="http://schemas.microsoft.com/office/drawing/2014/main" xmlns="" id="{167A64FF-37A7-4837-8033-CBEA22697ECA}"/>
               </a:ext>
               <a:ext uri="{C183D7F6-B498-43B3-948B-1728B52AA6E4}">
-                <adec:decorative xmlns="" xmlns:adec="http://schemas.microsoft.com/office/drawing/2017/decorative" val="1"/>
+                <adec:decorative xmlns:adec="http://schemas.microsoft.com/office/drawing/2017/decorative" xmlns="" val="1"/>
               </a:ext>
             </a:extLst>
           </p:cNvPr>
@@ -9027,10 +9027,10 @@
           <p:cNvPr id="2" name="Rectangle 1">
             <a:extLst>
               <a:ext uri="{FF2B5EF4-FFF2-40B4-BE49-F238E27FC236}">
-                <a16:creationId xmlns="" xmlns:a16="http://schemas.microsoft.com/office/drawing/2014/main" id="{3FC0C09F-8990-542B-199E-E6FADE2FEEFB}"/>
+                <a16:creationId xmlns:a16="http://schemas.microsoft.com/office/drawing/2014/main" xmlns="" id="{3FC0C09F-8990-542B-199E-E6FADE2FEEFB}"/>
               </a:ext>
               <a:ext uri="{C183D7F6-B498-43B3-948B-1728B52AA6E4}">
-                <adec:decorative xmlns="" xmlns:adec="http://schemas.microsoft.com/office/drawing/2017/decorative" val="1"/>
+                <adec:decorative xmlns:adec="http://schemas.microsoft.com/office/drawing/2017/decorative" xmlns="" val="1"/>
               </a:ext>
             </a:extLst>
           </p:cNvPr>
@@ -9082,10 +9082,10 @@
           <p:cNvPr id="4" name="Rectangle 3">
             <a:extLst>
               <a:ext uri="{FF2B5EF4-FFF2-40B4-BE49-F238E27FC236}">
-                <a16:creationId xmlns="" xmlns:a16="http://schemas.microsoft.com/office/drawing/2014/main" id="{1F6F60C3-341E-9533-2415-66360A254A78}"/>
+                <a16:creationId xmlns:a16="http://schemas.microsoft.com/office/drawing/2014/main" xmlns="" id="{1F6F60C3-341E-9533-2415-66360A254A78}"/>
               </a:ext>
               <a:ext uri="{C183D7F6-B498-43B3-948B-1728B52AA6E4}">
-                <adec:decorative xmlns="" xmlns:adec="http://schemas.microsoft.com/office/drawing/2017/decorative" val="1"/>
+                <adec:decorative xmlns:adec="http://schemas.microsoft.com/office/drawing/2017/decorative" xmlns="" val="1"/>
               </a:ext>
             </a:extLst>
           </p:cNvPr>
@@ -9178,7 +9178,7 @@
           <p:cNvPr id="4" name="Rectangle 3">
             <a:extLst>
               <a:ext uri="{FF2B5EF4-FFF2-40B4-BE49-F238E27FC236}">
-                <a16:creationId xmlns="" xmlns:a16="http://schemas.microsoft.com/office/drawing/2014/main" id="{5BFD12B6-57DE-4B63-A723-500B050FB7DD}"/>
+                <a16:creationId xmlns:a16="http://schemas.microsoft.com/office/drawing/2014/main" xmlns="" id="{5BFD12B6-57DE-4B63-A723-500B050FB7DD}"/>
               </a:ext>
             </a:extLst>
           </p:cNvPr>
@@ -9404,7 +9404,7 @@
           <p:cNvPr id="7" name="Date Placeholder 6">
             <a:extLst>
               <a:ext uri="{FF2B5EF4-FFF2-40B4-BE49-F238E27FC236}">
-                <a16:creationId xmlns="" xmlns:a16="http://schemas.microsoft.com/office/drawing/2014/main" id="{5F1E2E75-4758-4930-8024-39287C962987}"/>
+                <a16:creationId xmlns:a16="http://schemas.microsoft.com/office/drawing/2014/main" xmlns="" id="{5F1E2E75-4758-4930-8024-39287C962987}"/>
               </a:ext>
             </a:extLst>
           </p:cNvPr>
@@ -9429,7 +9429,7 @@
           <p:cNvPr id="8" name="Footer Placeholder 7">
             <a:extLst>
               <a:ext uri="{FF2B5EF4-FFF2-40B4-BE49-F238E27FC236}">
-                <a16:creationId xmlns="" xmlns:a16="http://schemas.microsoft.com/office/drawing/2014/main" id="{488B9949-402C-42C2-9A94-16590FC0C592}"/>
+                <a16:creationId xmlns:a16="http://schemas.microsoft.com/office/drawing/2014/main" xmlns="" id="{488B9949-402C-42C2-9A94-16590FC0C592}"/>
               </a:ext>
             </a:extLst>
           </p:cNvPr>
@@ -9458,7 +9458,7 @@
           <p:cNvPr id="10" name="Slide Number Placeholder 9">
             <a:extLst>
               <a:ext uri="{FF2B5EF4-FFF2-40B4-BE49-F238E27FC236}">
-                <a16:creationId xmlns="" xmlns:a16="http://schemas.microsoft.com/office/drawing/2014/main" id="{039D83F6-DAF4-4876-AA41-F246EC970F7D}"/>
+                <a16:creationId xmlns:a16="http://schemas.microsoft.com/office/drawing/2014/main" xmlns="" id="{039D83F6-DAF4-4876-AA41-F246EC970F7D}"/>
               </a:ext>
             </a:extLst>
           </p:cNvPr>
@@ -9488,7 +9488,7 @@
           <p:cNvPr id="11" name="Rectangle 10">
             <a:extLst>
               <a:ext uri="{FF2B5EF4-FFF2-40B4-BE49-F238E27FC236}">
-                <a16:creationId xmlns="" xmlns:a16="http://schemas.microsoft.com/office/drawing/2014/main" id="{91613A19-DDA2-44F6-9ED4-F87771C684B8}"/>
+                <a16:creationId xmlns:a16="http://schemas.microsoft.com/office/drawing/2014/main" xmlns="" id="{91613A19-DDA2-44F6-9ED4-F87771C684B8}"/>
               </a:ext>
             </a:extLst>
           </p:cNvPr>
@@ -9772,7 +9772,7 @@
           <p:cNvPr id="10" name="Rectangle 9">
             <a:extLst>
               <a:ext uri="{FF2B5EF4-FFF2-40B4-BE49-F238E27FC236}">
-                <a16:creationId xmlns="" xmlns:a16="http://schemas.microsoft.com/office/drawing/2014/main" id="{5CE6B9B5-A5D1-4099-B52B-78F39AB0AFCB}"/>
+                <a16:creationId xmlns:a16="http://schemas.microsoft.com/office/drawing/2014/main" xmlns="" id="{5CE6B9B5-A5D1-4099-B52B-78F39AB0AFCB}"/>
               </a:ext>
             </a:extLst>
           </p:cNvPr>
@@ -10194,7 +10194,7 @@
           <p:cNvPr id="10" name="Title 9">
             <a:extLst>
               <a:ext uri="{FF2B5EF4-FFF2-40B4-BE49-F238E27FC236}">
-                <a16:creationId xmlns="" xmlns:a16="http://schemas.microsoft.com/office/drawing/2014/main" id="{D26B370B-8381-431F-9492-0EA1205113EE}"/>
+                <a16:creationId xmlns:a16="http://schemas.microsoft.com/office/drawing/2014/main" xmlns="" id="{D26B370B-8381-431F-9492-0EA1205113EE}"/>
               </a:ext>
             </a:extLst>
           </p:cNvPr>
@@ -10222,7 +10222,7 @@
           <p:cNvPr id="12" name="Rectangle 11">
             <a:extLst>
               <a:ext uri="{FF2B5EF4-FFF2-40B4-BE49-F238E27FC236}">
-                <a16:creationId xmlns="" xmlns:a16="http://schemas.microsoft.com/office/drawing/2014/main" id="{DCA89085-2231-4A9C-B23C-B199A9DD26C5}"/>
+                <a16:creationId xmlns:a16="http://schemas.microsoft.com/office/drawing/2014/main" xmlns="" id="{DCA89085-2231-4A9C-B23C-B199A9DD26C5}"/>
               </a:ext>
             </a:extLst>
           </p:cNvPr>
@@ -10392,10 +10392,10 @@
           <p:cNvPr id="6" name="Rectangle 5">
             <a:extLst>
               <a:ext uri="{FF2B5EF4-FFF2-40B4-BE49-F238E27FC236}">
-                <a16:creationId xmlns="" xmlns:a16="http://schemas.microsoft.com/office/drawing/2014/main" id="{34C61DF6-3A2D-55DA-8448-C2D07707EFD5}"/>
+                <a16:creationId xmlns:a16="http://schemas.microsoft.com/office/drawing/2014/main" xmlns="" id="{34C61DF6-3A2D-55DA-8448-C2D07707EFD5}"/>
               </a:ext>
               <a:ext uri="{C183D7F6-B498-43B3-948B-1728B52AA6E4}">
-                <adec:decorative xmlns="" xmlns:adec="http://schemas.microsoft.com/office/drawing/2017/decorative" val="1"/>
+                <adec:decorative xmlns:adec="http://schemas.microsoft.com/office/drawing/2017/decorative" xmlns="" val="1"/>
               </a:ext>
             </a:extLst>
           </p:cNvPr>
@@ -10444,10 +10444,10 @@
           <p:cNvPr id="7" name="Rectangle 6">
             <a:extLst>
               <a:ext uri="{FF2B5EF4-FFF2-40B4-BE49-F238E27FC236}">
-                <a16:creationId xmlns="" xmlns:a16="http://schemas.microsoft.com/office/drawing/2014/main" id="{C7B340BB-A35D-C47D-F28F-6FBE043F6E75}"/>
+                <a16:creationId xmlns:a16="http://schemas.microsoft.com/office/drawing/2014/main" xmlns="" id="{C7B340BB-A35D-C47D-F28F-6FBE043F6E75}"/>
               </a:ext>
               <a:ext uri="{C183D7F6-B498-43B3-948B-1728B52AA6E4}">
-                <adec:decorative xmlns="" xmlns:adec="http://schemas.microsoft.com/office/drawing/2017/decorative" val="1"/>
+                <adec:decorative xmlns:adec="http://schemas.microsoft.com/office/drawing/2017/decorative" xmlns="" val="1"/>
               </a:ext>
             </a:extLst>
           </p:cNvPr>
@@ -10499,10 +10499,10 @@
           <p:cNvPr id="8" name="Rectangle 7">
             <a:extLst>
               <a:ext uri="{FF2B5EF4-FFF2-40B4-BE49-F238E27FC236}">
-                <a16:creationId xmlns="" xmlns:a16="http://schemas.microsoft.com/office/drawing/2014/main" id="{3DCDAB0E-1B08-9A3E-38B2-E60401CC015C}"/>
+                <a16:creationId xmlns:a16="http://schemas.microsoft.com/office/drawing/2014/main" xmlns="" id="{3DCDAB0E-1B08-9A3E-38B2-E60401CC015C}"/>
               </a:ext>
               <a:ext uri="{C183D7F6-B498-43B3-948B-1728B52AA6E4}">
-                <adec:decorative xmlns="" xmlns:adec="http://schemas.microsoft.com/office/drawing/2017/decorative" val="1"/>
+                <adec:decorative xmlns:adec="http://schemas.microsoft.com/office/drawing/2017/decorative" xmlns="" val="1"/>
               </a:ext>
             </a:extLst>
           </p:cNvPr>
@@ -10554,10 +10554,10 @@
           <p:cNvPr id="9" name="Rectangle 8">
             <a:extLst>
               <a:ext uri="{FF2B5EF4-FFF2-40B4-BE49-F238E27FC236}">
-                <a16:creationId xmlns="" xmlns:a16="http://schemas.microsoft.com/office/drawing/2014/main" id="{944A4B38-C41B-0C14-CB28-67E9721123DD}"/>
+                <a16:creationId xmlns:a16="http://schemas.microsoft.com/office/drawing/2014/main" xmlns="" id="{944A4B38-C41B-0C14-CB28-67E9721123DD}"/>
               </a:ext>
               <a:ext uri="{C183D7F6-B498-43B3-948B-1728B52AA6E4}">
-                <adec:decorative xmlns="" xmlns:adec="http://schemas.microsoft.com/office/drawing/2017/decorative" val="1"/>
+                <adec:decorative xmlns:adec="http://schemas.microsoft.com/office/drawing/2017/decorative" xmlns="" val="1"/>
               </a:ext>
             </a:extLst>
           </p:cNvPr>
@@ -10609,10 +10609,10 @@
           <p:cNvPr id="10" name="Rectangle 9">
             <a:extLst>
               <a:ext uri="{FF2B5EF4-FFF2-40B4-BE49-F238E27FC236}">
-                <a16:creationId xmlns="" xmlns:a16="http://schemas.microsoft.com/office/drawing/2014/main" id="{DDFD99EC-B9CC-A1AC-EFF4-B65977F54B66}"/>
+                <a16:creationId xmlns:a16="http://schemas.microsoft.com/office/drawing/2014/main" xmlns="" id="{DDFD99EC-B9CC-A1AC-EFF4-B65977F54B66}"/>
               </a:ext>
               <a:ext uri="{C183D7F6-B498-43B3-948B-1728B52AA6E4}">
-                <adec:decorative xmlns="" xmlns:adec="http://schemas.microsoft.com/office/drawing/2017/decorative" val="1"/>
+                <adec:decorative xmlns:adec="http://schemas.microsoft.com/office/drawing/2017/decorative" xmlns="" val="1"/>
               </a:ext>
             </a:extLst>
           </p:cNvPr>
@@ -10664,10 +10664,10 @@
           <p:cNvPr id="11" name="Rectangle 10">
             <a:extLst>
               <a:ext uri="{FF2B5EF4-FFF2-40B4-BE49-F238E27FC236}">
-                <a16:creationId xmlns="" xmlns:a16="http://schemas.microsoft.com/office/drawing/2014/main" id="{259280CA-3626-981C-CF19-E559E0DA8DAC}"/>
+                <a16:creationId xmlns:a16="http://schemas.microsoft.com/office/drawing/2014/main" xmlns="" id="{259280CA-3626-981C-CF19-E559E0DA8DAC}"/>
               </a:ext>
               <a:ext uri="{C183D7F6-B498-43B3-948B-1728B52AA6E4}">
-                <adec:decorative xmlns="" xmlns:adec="http://schemas.microsoft.com/office/drawing/2017/decorative" val="1"/>
+                <adec:decorative xmlns:adec="http://schemas.microsoft.com/office/drawing/2017/decorative" xmlns="" val="1"/>
               </a:ext>
             </a:extLst>
           </p:cNvPr>
@@ -10719,10 +10719,10 @@
           <p:cNvPr id="12" name="Rectangle 11">
             <a:extLst>
               <a:ext uri="{FF2B5EF4-FFF2-40B4-BE49-F238E27FC236}">
-                <a16:creationId xmlns="" xmlns:a16="http://schemas.microsoft.com/office/drawing/2014/main" id="{CE5C9117-F419-BD57-1080-86A4D136087F}"/>
+                <a16:creationId xmlns:a16="http://schemas.microsoft.com/office/drawing/2014/main" xmlns="" id="{CE5C9117-F419-BD57-1080-86A4D136087F}"/>
               </a:ext>
               <a:ext uri="{C183D7F6-B498-43B3-948B-1728B52AA6E4}">
-                <adec:decorative xmlns="" xmlns:adec="http://schemas.microsoft.com/office/drawing/2017/decorative" val="1"/>
+                <adec:decorative xmlns:adec="http://schemas.microsoft.com/office/drawing/2017/decorative" xmlns="" val="1"/>
               </a:ext>
             </a:extLst>
           </p:cNvPr>
@@ -10774,10 +10774,10 @@
           <p:cNvPr id="13" name="Rectangle 12">
             <a:extLst>
               <a:ext uri="{FF2B5EF4-FFF2-40B4-BE49-F238E27FC236}">
-                <a16:creationId xmlns="" xmlns:a16="http://schemas.microsoft.com/office/drawing/2014/main" id="{1BD54386-29C8-95E0-C9D9-78F27AD2E738}"/>
+                <a16:creationId xmlns:a16="http://schemas.microsoft.com/office/drawing/2014/main" xmlns="" id="{1BD54386-29C8-95E0-C9D9-78F27AD2E738}"/>
               </a:ext>
               <a:ext uri="{C183D7F6-B498-43B3-948B-1728B52AA6E4}">
-                <adec:decorative xmlns="" xmlns:adec="http://schemas.microsoft.com/office/drawing/2017/decorative" val="1"/>
+                <adec:decorative xmlns:adec="http://schemas.microsoft.com/office/drawing/2017/decorative" xmlns="" val="1"/>
               </a:ext>
             </a:extLst>
           </p:cNvPr>
@@ -10872,7 +10872,7 @@
           <p:cNvPr id="5" name="Date Placeholder 4">
             <a:extLst>
               <a:ext uri="{FF2B5EF4-FFF2-40B4-BE49-F238E27FC236}">
-                <a16:creationId xmlns="" xmlns:a16="http://schemas.microsoft.com/office/drawing/2014/main" id="{C7CF41D3-C6B9-4E99-9321-87C4E2168F46}"/>
+                <a16:creationId xmlns:a16="http://schemas.microsoft.com/office/drawing/2014/main" xmlns="" id="{C7CF41D3-C6B9-4E99-9321-87C4E2168F46}"/>
               </a:ext>
             </a:extLst>
           </p:cNvPr>
@@ -10897,7 +10897,7 @@
           <p:cNvPr id="6" name="Footer Placeholder 5">
             <a:extLst>
               <a:ext uri="{FF2B5EF4-FFF2-40B4-BE49-F238E27FC236}">
-                <a16:creationId xmlns="" xmlns:a16="http://schemas.microsoft.com/office/drawing/2014/main" id="{8B5BC6EB-07B1-46AF-AC33-E998BC6AA433}"/>
+                <a16:creationId xmlns:a16="http://schemas.microsoft.com/office/drawing/2014/main" xmlns="" id="{8B5BC6EB-07B1-46AF-AC33-E998BC6AA433}"/>
               </a:ext>
             </a:extLst>
           </p:cNvPr>
@@ -10926,7 +10926,7 @@
           <p:cNvPr id="7" name="Slide Number Placeholder 6">
             <a:extLst>
               <a:ext uri="{FF2B5EF4-FFF2-40B4-BE49-F238E27FC236}">
-                <a16:creationId xmlns="" xmlns:a16="http://schemas.microsoft.com/office/drawing/2014/main" id="{73E3A0C1-6562-4819-9E88-4C1378FD5DE4}"/>
+                <a16:creationId xmlns:a16="http://schemas.microsoft.com/office/drawing/2014/main" xmlns="" id="{73E3A0C1-6562-4819-9E88-4C1378FD5DE4}"/>
               </a:ext>
             </a:extLst>
           </p:cNvPr>
@@ -10997,7 +10997,7 @@
           <p:cNvPr id="5" name="Rectangle 4">
             <a:extLst>
               <a:ext uri="{FF2B5EF4-FFF2-40B4-BE49-F238E27FC236}">
-                <a16:creationId xmlns="" xmlns:a16="http://schemas.microsoft.com/office/drawing/2014/main" id="{7ACA29BA-0143-49FF-8608-DB1623D99537}"/>
+                <a16:creationId xmlns:a16="http://schemas.microsoft.com/office/drawing/2014/main" xmlns="" id="{7ACA29BA-0143-49FF-8608-DB1623D99537}"/>
               </a:ext>
             </a:extLst>
           </p:cNvPr>
@@ -11243,7 +11243,7 @@
           <p:cNvPr id="9" name="Rectangle 8">
             <a:extLst>
               <a:ext uri="{FF2B5EF4-FFF2-40B4-BE49-F238E27FC236}">
-                <a16:creationId xmlns="" xmlns:a16="http://schemas.microsoft.com/office/drawing/2014/main" id="{3010CF18-370D-4E80-AE4C-396FFDFCAE5D}"/>
+                <a16:creationId xmlns:a16="http://schemas.microsoft.com/office/drawing/2014/main" xmlns="" id="{3010CF18-370D-4E80-AE4C-396FFDFCAE5D}"/>
               </a:ext>
             </a:extLst>
           </p:cNvPr>
@@ -11295,7 +11295,7 @@
           <p:cNvPr id="10" name="Date Placeholder 9">
             <a:extLst>
               <a:ext uri="{FF2B5EF4-FFF2-40B4-BE49-F238E27FC236}">
-                <a16:creationId xmlns="" xmlns:a16="http://schemas.microsoft.com/office/drawing/2014/main" id="{C5EBFE9C-5A22-4462-9C51-E00C03F55C3D}"/>
+                <a16:creationId xmlns:a16="http://schemas.microsoft.com/office/drawing/2014/main" xmlns="" id="{C5EBFE9C-5A22-4462-9C51-E00C03F55C3D}"/>
               </a:ext>
             </a:extLst>
           </p:cNvPr>
@@ -11329,7 +11329,7 @@
           <p:cNvPr id="11" name="Footer Placeholder 10">
             <a:extLst>
               <a:ext uri="{FF2B5EF4-FFF2-40B4-BE49-F238E27FC236}">
-                <a16:creationId xmlns="" xmlns:a16="http://schemas.microsoft.com/office/drawing/2014/main" id="{2EBBFF2E-AA66-4B76-9139-CB000B5A45D5}"/>
+                <a16:creationId xmlns:a16="http://schemas.microsoft.com/office/drawing/2014/main" xmlns="" id="{2EBBFF2E-AA66-4B76-9139-CB000B5A45D5}"/>
               </a:ext>
             </a:extLst>
           </p:cNvPr>
@@ -11363,7 +11363,7 @@
           <p:cNvPr id="12" name="Slide Number Placeholder 11">
             <a:extLst>
               <a:ext uri="{FF2B5EF4-FFF2-40B4-BE49-F238E27FC236}">
-                <a16:creationId xmlns="" xmlns:a16="http://schemas.microsoft.com/office/drawing/2014/main" id="{A44F64C4-BF20-4F6B-B650-57C71C828A68}"/>
+                <a16:creationId xmlns:a16="http://schemas.microsoft.com/office/drawing/2014/main" xmlns="" id="{A44F64C4-BF20-4F6B-B650-57C71C828A68}"/>
               </a:ext>
             </a:extLst>
           </p:cNvPr>
@@ -11611,7 +11611,7 @@
           <p:cNvPr id="9" name="Rectangle 8">
             <a:extLst>
               <a:ext uri="{FF2B5EF4-FFF2-40B4-BE49-F238E27FC236}">
-                <a16:creationId xmlns="" xmlns:a16="http://schemas.microsoft.com/office/drawing/2014/main" id="{90949BC8-9ABF-49F6-851C-5DB0B86CA70D}"/>
+                <a16:creationId xmlns:a16="http://schemas.microsoft.com/office/drawing/2014/main" xmlns="" id="{90949BC8-9ABF-49F6-851C-5DB0B86CA70D}"/>
               </a:ext>
             </a:extLst>
           </p:cNvPr>
@@ -11663,7 +11663,7 @@
           <p:cNvPr id="5" name="Date Placeholder 4">
             <a:extLst>
               <a:ext uri="{FF2B5EF4-FFF2-40B4-BE49-F238E27FC236}">
-                <a16:creationId xmlns="" xmlns:a16="http://schemas.microsoft.com/office/drawing/2014/main" id="{04E1EE21-E3FA-4D43-B224-C664959637B0}"/>
+                <a16:creationId xmlns:a16="http://schemas.microsoft.com/office/drawing/2014/main" xmlns="" id="{04E1EE21-E3FA-4D43-B224-C664959637B0}"/>
               </a:ext>
             </a:extLst>
           </p:cNvPr>
@@ -11693,7 +11693,7 @@
           <p:cNvPr id="7" name="Slide Number Placeholder 6">
             <a:extLst>
               <a:ext uri="{FF2B5EF4-FFF2-40B4-BE49-F238E27FC236}">
-                <a16:creationId xmlns="" xmlns:a16="http://schemas.microsoft.com/office/drawing/2014/main" id="{A32D7F83-8993-4ED4-9F02-663CC085052F}"/>
+                <a16:creationId xmlns:a16="http://schemas.microsoft.com/office/drawing/2014/main" xmlns="" id="{A32D7F83-8993-4ED4-9F02-663CC085052F}"/>
               </a:ext>
             </a:extLst>
           </p:cNvPr>
@@ -11723,7 +11723,7 @@
           <p:cNvPr id="6" name="Footer Placeholder 5">
             <a:extLst>
               <a:ext uri="{FF2B5EF4-FFF2-40B4-BE49-F238E27FC236}">
-                <a16:creationId xmlns="" xmlns:a16="http://schemas.microsoft.com/office/drawing/2014/main" id="{8E3678B7-E511-4CE1-BEE5-89E959B9BFD6}"/>
+                <a16:creationId xmlns:a16="http://schemas.microsoft.com/office/drawing/2014/main" xmlns="" id="{8E3678B7-E511-4CE1-BEE5-89E959B9BFD6}"/>
               </a:ext>
             </a:extLst>
           </p:cNvPr>
@@ -11810,7 +11810,7 @@
           <p:cNvPr id="7" name="Rectangle 6">
             <a:extLst>
               <a:ext uri="{FF2B5EF4-FFF2-40B4-BE49-F238E27FC236}">
-                <a16:creationId xmlns="" xmlns:a16="http://schemas.microsoft.com/office/drawing/2014/main" id="{0786F82F-1B47-46ED-8EAE-53EF71E59E9A}"/>
+                <a16:creationId xmlns:a16="http://schemas.microsoft.com/office/drawing/2014/main" xmlns="" id="{0786F82F-1B47-46ED-8EAE-53EF71E59E9A}"/>
               </a:ext>
             </a:extLst>
           </p:cNvPr>
@@ -12085,7 +12085,7 @@
           <p:cNvPr id="21" name="Rectangle 20">
             <a:extLst>
               <a:ext uri="{FF2B5EF4-FFF2-40B4-BE49-F238E27FC236}">
-                <a16:creationId xmlns="" xmlns:a16="http://schemas.microsoft.com/office/drawing/2014/main" id="{EF1BAF6F-6275-4646-9C59-331B29B9550F}"/>
+                <a16:creationId xmlns:a16="http://schemas.microsoft.com/office/drawing/2014/main" xmlns="" id="{EF1BAF6F-6275-4646-9C59-331B29B9550F}"/>
               </a:ext>
             </a:extLst>
           </p:cNvPr>
@@ -12553,7 +12553,7 @@
           <p:cNvPr id="7" name="Title 6">
             <a:extLst>
               <a:ext uri="{FF2B5EF4-FFF2-40B4-BE49-F238E27FC236}">
-                <a16:creationId xmlns="" xmlns:a16="http://schemas.microsoft.com/office/drawing/2014/main" id="{0814B6A3-5F3E-4909-8ED5-87FE82492264}"/>
+                <a16:creationId xmlns:a16="http://schemas.microsoft.com/office/drawing/2014/main" xmlns="" id="{0814B6A3-5F3E-4909-8ED5-87FE82492264}"/>
               </a:ext>
             </a:extLst>
           </p:cNvPr>
@@ -12724,7 +12724,7 @@
           <p:cNvPr id="17" name="Title 1">
             <a:extLst>
               <a:ext uri="{FF2B5EF4-FFF2-40B4-BE49-F238E27FC236}">
-                <a16:creationId xmlns="" xmlns:a16="http://schemas.microsoft.com/office/drawing/2014/main" id="{E2D30E0F-10C6-298A-C347-E831FFF4ECB8}"/>
+                <a16:creationId xmlns:a16="http://schemas.microsoft.com/office/drawing/2014/main" xmlns="" id="{E2D30E0F-10C6-298A-C347-E831FFF4ECB8}"/>
               </a:ext>
             </a:extLst>
           </p:cNvPr>
@@ -13125,7 +13125,7 @@
           <p:cNvPr id="2" name="Title 1">
             <a:extLst>
               <a:ext uri="{FF2B5EF4-FFF2-40B4-BE49-F238E27FC236}">
-                <a16:creationId xmlns="" xmlns:a16="http://schemas.microsoft.com/office/drawing/2014/main" id="{E2D30E0F-10C6-298A-C347-E831FFF4ECB8}"/>
+                <a16:creationId xmlns:a16="http://schemas.microsoft.com/office/drawing/2014/main" xmlns="" id="{E2D30E0F-10C6-298A-C347-E831FFF4ECB8}"/>
               </a:ext>
             </a:extLst>
           </p:cNvPr>
@@ -13312,7 +13312,7 @@
           <p:cNvPr id="2" name="Title 1">
             <a:extLst>
               <a:ext uri="{FF2B5EF4-FFF2-40B4-BE49-F238E27FC236}">
-                <a16:creationId xmlns="" xmlns:a16="http://schemas.microsoft.com/office/drawing/2014/main" id="{E2D30E0F-10C6-298A-C347-E831FFF4ECB8}"/>
+                <a16:creationId xmlns:a16="http://schemas.microsoft.com/office/drawing/2014/main" xmlns="" id="{E2D30E0F-10C6-298A-C347-E831FFF4ECB8}"/>
               </a:ext>
             </a:extLst>
           </p:cNvPr>
@@ -13349,7 +13349,7 @@
           <p:cNvPr id="3" name="Content Placeholder 2">
             <a:extLst>
               <a:ext uri="{FF2B5EF4-FFF2-40B4-BE49-F238E27FC236}">
-                <a16:creationId xmlns="" xmlns:a16="http://schemas.microsoft.com/office/drawing/2014/main" id="{41191CC7-9CF2-71F0-1AD4-791EA9CBAD97}"/>
+                <a16:creationId xmlns:a16="http://schemas.microsoft.com/office/drawing/2014/main" xmlns="" id="{41191CC7-9CF2-71F0-1AD4-791EA9CBAD97}"/>
               </a:ext>
             </a:extLst>
           </p:cNvPr>
@@ -13530,7 +13530,7 @@
           <p:cNvPr id="2" name="Title 1">
             <a:extLst>
               <a:ext uri="{FF2B5EF4-FFF2-40B4-BE49-F238E27FC236}">
-                <a16:creationId xmlns="" xmlns:a16="http://schemas.microsoft.com/office/drawing/2014/main" id="{E2D30E0F-10C6-298A-C347-E831FFF4ECB8}"/>
+                <a16:creationId xmlns:a16="http://schemas.microsoft.com/office/drawing/2014/main" xmlns="" id="{E2D30E0F-10C6-298A-C347-E831FFF4ECB8}"/>
               </a:ext>
             </a:extLst>
           </p:cNvPr>
@@ -15302,7 +15302,7 @@
           <p:cNvPr id="2" name="Title 1">
             <a:extLst>
               <a:ext uri="{FF2B5EF4-FFF2-40B4-BE49-F238E27FC236}">
-                <a16:creationId xmlns="" xmlns:a16="http://schemas.microsoft.com/office/drawing/2014/main" id="{E2D30E0F-10C6-298A-C347-E831FFF4ECB8}"/>
+                <a16:creationId xmlns:a16="http://schemas.microsoft.com/office/drawing/2014/main" xmlns="" id="{E2D30E0F-10C6-298A-C347-E831FFF4ECB8}"/>
               </a:ext>
             </a:extLst>
           </p:cNvPr>
@@ -15331,7 +15331,7 @@
           <p:cNvPr id="3" name="Content Placeholder 2">
             <a:extLst>
               <a:ext uri="{FF2B5EF4-FFF2-40B4-BE49-F238E27FC236}">
-                <a16:creationId xmlns="" xmlns:a16="http://schemas.microsoft.com/office/drawing/2014/main" id="{41191CC7-9CF2-71F0-1AD4-791EA9CBAD97}"/>
+                <a16:creationId xmlns:a16="http://schemas.microsoft.com/office/drawing/2014/main" xmlns="" id="{41191CC7-9CF2-71F0-1AD4-791EA9CBAD97}"/>
               </a:ext>
             </a:extLst>
           </p:cNvPr>
@@ -15450,7 +15450,7 @@
           <p:cNvPr id="4" name="Content Placeholder 3">
             <a:extLst>
               <a:ext uri="{FF2B5EF4-FFF2-40B4-BE49-F238E27FC236}">
-                <a16:creationId xmlns="" xmlns:a16="http://schemas.microsoft.com/office/drawing/2014/main" id="{4B1BF1AC-C624-2AD2-DA0F-335AB7BA2CA8}"/>
+                <a16:creationId xmlns:a16="http://schemas.microsoft.com/office/drawing/2014/main" xmlns="" id="{4B1BF1AC-C624-2AD2-DA0F-335AB7BA2CA8}"/>
               </a:ext>
             </a:extLst>
           </p:cNvPr>
@@ -15703,7 +15703,7 @@
           <p:cNvPr id="2" name="Title 1">
             <a:extLst>
               <a:ext uri="{FF2B5EF4-FFF2-40B4-BE49-F238E27FC236}">
-                <a16:creationId xmlns="" xmlns:a16="http://schemas.microsoft.com/office/drawing/2014/main" id="{E2D30E0F-10C6-298A-C347-E831FFF4ECB8}"/>
+                <a16:creationId xmlns:a16="http://schemas.microsoft.com/office/drawing/2014/main" xmlns="" id="{E2D30E0F-10C6-298A-C347-E831FFF4ECB8}"/>
               </a:ext>
             </a:extLst>
           </p:cNvPr>
@@ -15732,7 +15732,7 @@
           <p:cNvPr id="3" name="Content Placeholder 2">
             <a:extLst>
               <a:ext uri="{FF2B5EF4-FFF2-40B4-BE49-F238E27FC236}">
-                <a16:creationId xmlns="" xmlns:a16="http://schemas.microsoft.com/office/drawing/2014/main" id="{41191CC7-9CF2-71F0-1AD4-791EA9CBAD97}"/>
+                <a16:creationId xmlns:a16="http://schemas.microsoft.com/office/drawing/2014/main" xmlns="" id="{41191CC7-9CF2-71F0-1AD4-791EA9CBAD97}"/>
               </a:ext>
             </a:extLst>
           </p:cNvPr>
@@ -15768,11 +15768,6 @@
               </a:rPr>
               <a:t>Linear Regression</a:t>
             </a:r>
-            <a:endParaRPr lang="en-US" sz="1700" b="1" dirty="0">
-              <a:solidFill>
-                <a:schemeClr val="accent1"/>
-              </a:solidFill>
-            </a:endParaRPr>
           </a:p>
         </p:txBody>
       </p:sp>
@@ -15895,7 +15890,7 @@
           <p:cNvPr id="10" name="Content Placeholder 2">
             <a:extLst>
               <a:ext uri="{FF2B5EF4-FFF2-40B4-BE49-F238E27FC236}">
-                <a16:creationId xmlns="" xmlns:a16="http://schemas.microsoft.com/office/drawing/2014/main" id="{41191CC7-9CF2-71F0-1AD4-791EA9CBAD97}"/>
+                <a16:creationId xmlns:a16="http://schemas.microsoft.com/office/drawing/2014/main" xmlns="" id="{41191CC7-9CF2-71F0-1AD4-791EA9CBAD97}"/>
               </a:ext>
             </a:extLst>
           </p:cNvPr>
@@ -16684,7 +16679,7 @@
           <p:cNvPr id="2" name="Title 1">
             <a:extLst>
               <a:ext uri="{FF2B5EF4-FFF2-40B4-BE49-F238E27FC236}">
-                <a16:creationId xmlns="" xmlns:a16="http://schemas.microsoft.com/office/drawing/2014/main" id="{6A0D2769-08DE-E62F-163A-27A5442A9FFA}"/>
+                <a16:creationId xmlns:a16="http://schemas.microsoft.com/office/drawing/2014/main" xmlns="" id="{6A0D2769-08DE-E62F-163A-27A5442A9FFA}"/>
               </a:ext>
             </a:extLst>
           </p:cNvPr>
@@ -16712,7 +16707,7 @@
           <p:cNvPr id="3" name="Content Placeholder 2">
             <a:extLst>
               <a:ext uri="{FF2B5EF4-FFF2-40B4-BE49-F238E27FC236}">
-                <a16:creationId xmlns="" xmlns:a16="http://schemas.microsoft.com/office/drawing/2014/main" id="{3EAD3192-D337-8C2E-FAAC-9B46B5DFBD21}"/>
+                <a16:creationId xmlns:a16="http://schemas.microsoft.com/office/drawing/2014/main" xmlns="" id="{3EAD3192-D337-8C2E-FAAC-9B46B5DFBD21}"/>
               </a:ext>
             </a:extLst>
           </p:cNvPr>
@@ -16741,19 +16736,7 @@
             </a:pPr>
             <a:r>
               <a:rPr lang="en-US" sz="1600" dirty="0"/>
-              <a:t>P</a:t>
-            </a:r>
-            <a:r>
-              <a:rPr lang="en-US" sz="1600" dirty="0"/>
-              <a:t>rediction </a:t>
-            </a:r>
-            <a:r>
-              <a:rPr lang="en-US" sz="1600" dirty="0"/>
-              <a:t>annual </a:t>
-            </a:r>
-            <a:r>
-              <a:rPr lang="en-US" sz="1600" dirty="0"/>
-              <a:t>salary is</a:t>
+              <a:t>Prediction annual salary is</a:t>
             </a:r>
             <a:r>
               <a:rPr lang="en-US" sz="1600" b="1" dirty="0" smtClean="0">
@@ -16765,17 +16748,8 @@
             </a:r>
             <a:r>
               <a:rPr lang="en-US" sz="1600" dirty="0" smtClean="0"/>
-              <a:t>based </a:t>
-            </a:r>
-            <a:r>
-              <a:rPr lang="en-US" sz="1600" dirty="0" smtClean="0"/>
-              <a:t>on </a:t>
-            </a:r>
-            <a:r>
-              <a:rPr lang="en-US" sz="1600" dirty="0" smtClean="0"/>
-              <a:t>location, experience and skills</a:t>
-            </a:r>
-            <a:endParaRPr lang="en-US" sz="1600" dirty="0" smtClean="0"/>
+              <a:t>based on location, experience and skills</a:t>
+            </a:r>
           </a:p>
           <a:p>
             <a:pPr marL="285750" indent="-285750">
@@ -16798,11 +16772,7 @@
             </a:pPr>
             <a:r>
               <a:rPr lang="en-GB" sz="1600" dirty="0" smtClean="0"/>
-              <a:t>Affordable </a:t>
-            </a:r>
-            <a:r>
-              <a:rPr lang="en-GB" sz="1600" dirty="0" smtClean="0"/>
-              <a:t>computational time to fit a model</a:t>
+              <a:t>Affordable computational time to fit a model</a:t>
             </a:r>
             <a:endParaRPr lang="en-US" sz="1600" dirty="0"/>
           </a:p>
@@ -16987,7 +16957,7 @@
           <p:cNvPr id="4" name="Title 3">
             <a:extLst>
               <a:ext uri="{FF2B5EF4-FFF2-40B4-BE49-F238E27FC236}">
-                <a16:creationId xmlns="" xmlns:a16="http://schemas.microsoft.com/office/drawing/2014/main" id="{664081DB-1923-4878-AB15-AD54F35A1DC7}"/>
+                <a16:creationId xmlns:a16="http://schemas.microsoft.com/office/drawing/2014/main" xmlns="" id="{664081DB-1923-4878-AB15-AD54F35A1DC7}"/>
               </a:ext>
             </a:extLst>
           </p:cNvPr>
@@ -17015,7 +16985,7 @@
           <p:cNvPr id="5" name="Content Placeholder 4">
             <a:extLst>
               <a:ext uri="{FF2B5EF4-FFF2-40B4-BE49-F238E27FC236}">
-                <a16:creationId xmlns="" xmlns:a16="http://schemas.microsoft.com/office/drawing/2014/main" id="{5755816F-F516-477A-8EF2-D8CA20267590}"/>
+                <a16:creationId xmlns:a16="http://schemas.microsoft.com/office/drawing/2014/main" xmlns="" id="{5755816F-F516-477A-8EF2-D8CA20267590}"/>
               </a:ext>
             </a:extLst>
           </p:cNvPr>
@@ -17156,7 +17126,7 @@
           <p:cNvPr id="4" name="Title 3">
             <a:extLst>
               <a:ext uri="{FF2B5EF4-FFF2-40B4-BE49-F238E27FC236}">
-                <a16:creationId xmlns="" xmlns:a16="http://schemas.microsoft.com/office/drawing/2014/main" id="{FFDE6B89-9484-4E50-8387-C55E031D8549}"/>
+                <a16:creationId xmlns:a16="http://schemas.microsoft.com/office/drawing/2014/main" xmlns="" id="{FFDE6B89-9484-4E50-8387-C55E031D8549}"/>
               </a:ext>
             </a:extLst>
           </p:cNvPr>
@@ -17186,7 +17156,7 @@
           <p:cNvPr id="5" name="Content Placeholder 4">
             <a:extLst>
               <a:ext uri="{FF2B5EF4-FFF2-40B4-BE49-F238E27FC236}">
-                <a16:creationId xmlns="" xmlns:a16="http://schemas.microsoft.com/office/drawing/2014/main" id="{30EB58E2-A9A0-481A-8B5B-381B836CE40B}"/>
+                <a16:creationId xmlns:a16="http://schemas.microsoft.com/office/drawing/2014/main" xmlns="" id="{30EB58E2-A9A0-481A-8B5B-381B836CE40B}"/>
               </a:ext>
             </a:extLst>
           </p:cNvPr>
@@ -17357,7 +17327,7 @@
           <p:cNvPr id="7" name="Title 6">
             <a:extLst>
               <a:ext uri="{FF2B5EF4-FFF2-40B4-BE49-F238E27FC236}">
-                <a16:creationId xmlns="" xmlns:a16="http://schemas.microsoft.com/office/drawing/2014/main" id="{0814B6A3-5F3E-4909-8ED5-87FE82492264}"/>
+                <a16:creationId xmlns:a16="http://schemas.microsoft.com/office/drawing/2014/main" xmlns="" id="{0814B6A3-5F3E-4909-8ED5-87FE82492264}"/>
               </a:ext>
             </a:extLst>
           </p:cNvPr>
@@ -17572,7 +17542,7 @@
           <p:cNvPr id="2" name="Title 1">
             <a:extLst>
               <a:ext uri="{FF2B5EF4-FFF2-40B4-BE49-F238E27FC236}">
-                <a16:creationId xmlns="" xmlns:a16="http://schemas.microsoft.com/office/drawing/2014/main" id="{E2D30E0F-10C6-298A-C347-E831FFF4ECB8}"/>
+                <a16:creationId xmlns:a16="http://schemas.microsoft.com/office/drawing/2014/main" xmlns="" id="{E2D30E0F-10C6-298A-C347-E831FFF4ECB8}"/>
               </a:ext>
             </a:extLst>
           </p:cNvPr>
@@ -18021,7 +17991,7 @@
           <p:cNvPr id="2" name="Title 1">
             <a:extLst>
               <a:ext uri="{FF2B5EF4-FFF2-40B4-BE49-F238E27FC236}">
-                <a16:creationId xmlns="" xmlns:a16="http://schemas.microsoft.com/office/drawing/2014/main" id="{E2D30E0F-10C6-298A-C347-E831FFF4ECB8}"/>
+                <a16:creationId xmlns:a16="http://schemas.microsoft.com/office/drawing/2014/main" xmlns="" id="{E2D30E0F-10C6-298A-C347-E831FFF4ECB8}"/>
               </a:ext>
             </a:extLst>
           </p:cNvPr>
@@ -18324,7 +18294,7 @@
           <p:cNvPr id="2" name="Title 1">
             <a:extLst>
               <a:ext uri="{FF2B5EF4-FFF2-40B4-BE49-F238E27FC236}">
-                <a16:creationId xmlns="" xmlns:a16="http://schemas.microsoft.com/office/drawing/2014/main" id="{7FAB65A9-1ACB-EE49-7672-A927F8F3463B}"/>
+                <a16:creationId xmlns:a16="http://schemas.microsoft.com/office/drawing/2014/main" xmlns="" id="{7FAB65A9-1ACB-EE49-7672-A927F8F3463B}"/>
               </a:ext>
             </a:extLst>
           </p:cNvPr>
@@ -18449,7 +18419,7 @@
           <p:cNvPr id="2" name="Title 1">
             <a:extLst>
               <a:ext uri="{FF2B5EF4-FFF2-40B4-BE49-F238E27FC236}">
-                <a16:creationId xmlns="" xmlns:a16="http://schemas.microsoft.com/office/drawing/2014/main" id="{E2D30E0F-10C6-298A-C347-E831FFF4ECB8}"/>
+                <a16:creationId xmlns:a16="http://schemas.microsoft.com/office/drawing/2014/main" xmlns="" id="{E2D30E0F-10C6-298A-C347-E831FFF4ECB8}"/>
               </a:ext>
             </a:extLst>
           </p:cNvPr>
@@ -18621,7 +18591,7 @@
           <p:cNvPr id="2" name="Title 1">
             <a:extLst>
               <a:ext uri="{FF2B5EF4-FFF2-40B4-BE49-F238E27FC236}">
-                <a16:creationId xmlns="" xmlns:a16="http://schemas.microsoft.com/office/drawing/2014/main" id="{E2D30E0F-10C6-298A-C347-E831FFF4ECB8}"/>
+                <a16:creationId xmlns:a16="http://schemas.microsoft.com/office/drawing/2014/main" xmlns="" id="{E2D30E0F-10C6-298A-C347-E831FFF4ECB8}"/>
               </a:ext>
             </a:extLst>
           </p:cNvPr>
@@ -18838,7 +18808,7 @@
           <p:cNvPr id="2" name="Title 1">
             <a:extLst>
               <a:ext uri="{FF2B5EF4-FFF2-40B4-BE49-F238E27FC236}">
-                <a16:creationId xmlns="" xmlns:a16="http://schemas.microsoft.com/office/drawing/2014/main" id="{E2D30E0F-10C6-298A-C347-E831FFF4ECB8}"/>
+                <a16:creationId xmlns:a16="http://schemas.microsoft.com/office/drawing/2014/main" xmlns="" id="{E2D30E0F-10C6-298A-C347-E831FFF4ECB8}"/>
               </a:ext>
             </a:extLst>
           </p:cNvPr>
@@ -19744,35 +19714,6 @@
 </file>
 
 <file path=customXml/item1.xml><?xml version="1.0" encoding="utf-8"?>
-<p:properties xmlns:p="http://schemas.microsoft.com/office/2006/metadata/properties" xmlns:xsi="http://www.w3.org/2001/XMLSchema-instance" xmlns:pc="http://schemas.microsoft.com/office/infopath/2007/PartnerControls">
-  <documentManagement>
-    <_ip_UnifiedCompliancePolicyUIAction xmlns="http://schemas.microsoft.com/sharepoint/v3" xsi:nil="true"/>
-    <Image xmlns="71af3243-3dd4-4a8d-8c0d-dd76da1f02a5">
-      <Url xsi:nil="true"/>
-      <Description xsi:nil="true"/>
-    </Image>
-    <Status xmlns="71af3243-3dd4-4a8d-8c0d-dd76da1f02a5">Not started</Status>
-    <Background xmlns="71af3243-3dd4-4a8d-8c0d-dd76da1f02a5">false</Background>
-    <_ip_UnifiedCompliancePolicyProperties xmlns="http://schemas.microsoft.com/sharepoint/v3" xsi:nil="true"/>
-    <ImageTagsTaxHTField xmlns="71af3243-3dd4-4a8d-8c0d-dd76da1f02a5">
-      <Terms xmlns="http://schemas.microsoft.com/office/infopath/2007/PartnerControls"/>
-    </ImageTagsTaxHTField>
-    <TaxCatchAll xmlns="230e9df3-be65-4c73-a93b-d1236ebd677e" xsi:nil="true"/>
-    <MediaServiceKeyPoints xmlns="71af3243-3dd4-4a8d-8c0d-dd76da1f02a5" xsi:nil="true"/>
-  </documentManagement>
-</p:properties>
-</file>
-
-<file path=customXml/item2.xml><?xml version="1.0" encoding="utf-8"?>
-<?mso-contentType ?>
-<FormTemplates xmlns="http://schemas.microsoft.com/sharepoint/v3/contenttype/forms">
-  <Display>DocumentLibraryForm</Display>
-  <Edit>DocumentLibraryForm</Edit>
-  <New>DocumentLibraryForm</New>
-</FormTemplates>
-</file>
-
-<file path=customXml/item3.xml><?xml version="1.0" encoding="utf-8"?>
 <ct:contentTypeSchema xmlns:ct="http://schemas.microsoft.com/office/2006/metadata/contentType" xmlns:ma="http://schemas.microsoft.com/office/2006/metadata/properties/metaAttributes" ct:_="" ma:_="" ma:contentTypeName="Document" ma:contentTypeID="0x01010079F111ED35F8CC479449609E8A0923A6" ma:contentTypeVersion="28" ma:contentTypeDescription="Create a new document." ma:contentTypeScope="" ma:versionID="60f5a4f2d2b0abadcf532d48ebf9cb71">
   <xsd:schema xmlns:xsd="http://www.w3.org/2001/XMLSchema" xmlns:xs="http://www.w3.org/2001/XMLSchema" xmlns:p="http://schemas.microsoft.com/office/2006/metadata/properties" xmlns:ns1="http://schemas.microsoft.com/sharepoint/v3" xmlns:ns2="71af3243-3dd4-4a8d-8c0d-dd76da1f02a5" xmlns:ns3="16c05727-aa75-4e4a-9b5f-8a80a1165891" xmlns:ns4="230e9df3-be65-4c73-a93b-d1236ebd677e" targetNamespace="http://schemas.microsoft.com/office/2006/metadata/properties" ma:root="true" ma:fieldsID="7dd78129e6a1811f84807ad11c651531" ns1:_="" ns2:_="" ns3:_="" ns4:_="">
     <xsd:import namespace="http://schemas.microsoft.com/sharepoint/v3"/>
@@ -20084,34 +20025,36 @@
 </ct:contentTypeSchema>
 </file>
 
-<file path=customXml/itemProps1.xml><?xml version="1.0" encoding="utf-8"?>
-<ds:datastoreItem xmlns:ds="http://schemas.openxmlformats.org/officeDocument/2006/customXml" ds:itemID="{57FF477C-132F-44F8-8C56-EBFF95FAF97B}">
-  <ds:schemaRefs>
-    <ds:schemaRef ds:uri="http://schemas.microsoft.com/sharepoint/v3"/>
-    <ds:schemaRef ds:uri="http://schemas.microsoft.com/office/2006/metadata/properties"/>
-    <ds:schemaRef ds:uri="http://purl.org/dc/terms/"/>
-    <ds:schemaRef ds:uri="http://schemas.openxmlformats.org/package/2006/metadata/core-properties"/>
-    <ds:schemaRef ds:uri="16c05727-aa75-4e4a-9b5f-8a80a1165891"/>
-    <ds:schemaRef ds:uri="http://schemas.microsoft.com/office/2006/documentManagement/types"/>
-    <ds:schemaRef ds:uri="http://schemas.microsoft.com/office/infopath/2007/PartnerControls"/>
-    <ds:schemaRef ds:uri="230e9df3-be65-4c73-a93b-d1236ebd677e"/>
-    <ds:schemaRef ds:uri="http://purl.org/dc/elements/1.1/"/>
-    <ds:schemaRef ds:uri="71af3243-3dd4-4a8d-8c0d-dd76da1f02a5"/>
-    <ds:schemaRef ds:uri="http://www.w3.org/XML/1998/namespace"/>
-    <ds:schemaRef ds:uri="http://purl.org/dc/dcmitype/"/>
-  </ds:schemaRefs>
-</ds:datastoreItem>
+<file path=customXml/item2.xml><?xml version="1.0" encoding="utf-8"?>
+<?mso-contentType ?>
+<FormTemplates xmlns="http://schemas.microsoft.com/sharepoint/v3/contenttype/forms">
+  <Display>DocumentLibraryForm</Display>
+  <Edit>DocumentLibraryForm</Edit>
+  <New>DocumentLibraryForm</New>
+</FormTemplates>
 </file>
 
-<file path=customXml/itemProps2.xml><?xml version="1.0" encoding="utf-8"?>
-<ds:datastoreItem xmlns:ds="http://schemas.openxmlformats.org/officeDocument/2006/customXml" ds:itemID="{6F36CB81-A037-44A8-88EB-C0C0F17FD4B1}">
-  <ds:schemaRefs>
-    <ds:schemaRef ds:uri="http://schemas.microsoft.com/sharepoint/v3/contenttype/forms"/>
-  </ds:schemaRefs>
-</ds:datastoreItem>
+<file path=customXml/item3.xml><?xml version="1.0" encoding="utf-8"?>
+<p:properties xmlns:p="http://schemas.microsoft.com/office/2006/metadata/properties" xmlns:xsi="http://www.w3.org/2001/XMLSchema-instance" xmlns:pc="http://schemas.microsoft.com/office/infopath/2007/PartnerControls">
+  <documentManagement>
+    <_ip_UnifiedCompliancePolicyUIAction xmlns="http://schemas.microsoft.com/sharepoint/v3" xsi:nil="true"/>
+    <Image xmlns="71af3243-3dd4-4a8d-8c0d-dd76da1f02a5">
+      <Url xsi:nil="true"/>
+      <Description xsi:nil="true"/>
+    </Image>
+    <Status xmlns="71af3243-3dd4-4a8d-8c0d-dd76da1f02a5">Not started</Status>
+    <Background xmlns="71af3243-3dd4-4a8d-8c0d-dd76da1f02a5">false</Background>
+    <_ip_UnifiedCompliancePolicyProperties xmlns="http://schemas.microsoft.com/sharepoint/v3" xsi:nil="true"/>
+    <ImageTagsTaxHTField xmlns="71af3243-3dd4-4a8d-8c0d-dd76da1f02a5">
+      <Terms xmlns="http://schemas.microsoft.com/office/infopath/2007/PartnerControls"/>
+    </ImageTagsTaxHTField>
+    <TaxCatchAll xmlns="230e9df3-be65-4c73-a93b-d1236ebd677e" xsi:nil="true"/>
+    <MediaServiceKeyPoints xmlns="71af3243-3dd4-4a8d-8c0d-dd76da1f02a5" xsi:nil="true"/>
+  </documentManagement>
+</p:properties>
 </file>
 
-<file path=customXml/itemProps3.xml><?xml version="1.0" encoding="utf-8"?>
+<file path=customXml/itemProps1.xml><?xml version="1.0" encoding="utf-8"?>
 <ds:datastoreItem xmlns:ds="http://schemas.openxmlformats.org/officeDocument/2006/customXml" ds:itemID="{2C1AA24C-4CA6-40FF-8947-DA1F6F47456C}">
   <ds:schemaRefs>
     <ds:schemaRef ds:uri="http://schemas.microsoft.com/office/2006/metadata/contentType"/>
@@ -20132,6 +20075,33 @@
 </ds:datastoreItem>
 </file>
 
+<file path=customXml/itemProps2.xml><?xml version="1.0" encoding="utf-8"?>
+<ds:datastoreItem xmlns:ds="http://schemas.openxmlformats.org/officeDocument/2006/customXml" ds:itemID="{6F36CB81-A037-44A8-88EB-C0C0F17FD4B1}">
+  <ds:schemaRefs>
+    <ds:schemaRef ds:uri="http://schemas.microsoft.com/sharepoint/v3/contenttype/forms"/>
+  </ds:schemaRefs>
+</ds:datastoreItem>
+</file>
+
+<file path=customXml/itemProps3.xml><?xml version="1.0" encoding="utf-8"?>
+<ds:datastoreItem xmlns:ds="http://schemas.openxmlformats.org/officeDocument/2006/customXml" ds:itemID="{57FF477C-132F-44F8-8C56-EBFF95FAF97B}">
+  <ds:schemaRefs>
+    <ds:schemaRef ds:uri="http://purl.org/dc/elements/1.1/"/>
+    <ds:schemaRef ds:uri="http://schemas.microsoft.com/office/2006/metadata/properties"/>
+    <ds:schemaRef ds:uri="http://schemas.microsoft.com/sharepoint/v3"/>
+    <ds:schemaRef ds:uri="230e9df3-be65-4c73-a93b-d1236ebd677e"/>
+    <ds:schemaRef ds:uri="http://schemas.microsoft.com/office/2006/documentManagement/types"/>
+    <ds:schemaRef ds:uri="http://schemas.openxmlformats.org/package/2006/metadata/core-properties"/>
+    <ds:schemaRef ds:uri="16c05727-aa75-4e4a-9b5f-8a80a1165891"/>
+    <ds:schemaRef ds:uri="http://purl.org/dc/dcmitype/"/>
+    <ds:schemaRef ds:uri="http://schemas.microsoft.com/office/infopath/2007/PartnerControls"/>
+    <ds:schemaRef ds:uri="71af3243-3dd4-4a8d-8c0d-dd76da1f02a5"/>
+    <ds:schemaRef ds:uri="http://www.w3.org/XML/1998/namespace"/>
+    <ds:schemaRef ds:uri="http://purl.org/dc/terms/"/>
+  </ds:schemaRefs>
+</ds:datastoreItem>
+</file>
+
 <file path=docMetadata/LabelInfo.xml><?xml version="1.0" encoding="utf-8"?>
 <clbl:labelList xmlns:clbl="http://schemas.microsoft.com/office/2020/mipLabelMetadata"/>
 </file>